--- a/Presentation ASPNET MVC Core - Part III.pptx
+++ b/Presentation ASPNET MVC Core - Part III.pptx
@@ -5,10 +5,10 @@
     <p:sldMasterId id="2147483648" r:id="rId1"/>
   </p:sldMasterIdLst>
   <p:notesMasterIdLst>
-    <p:notesMasterId r:id="rId32"/>
+    <p:notesMasterId r:id="rId33"/>
   </p:notesMasterIdLst>
   <p:handoutMasterIdLst>
-    <p:handoutMasterId r:id="rId33"/>
+    <p:handoutMasterId r:id="rId34"/>
   </p:handoutMasterIdLst>
   <p:sldIdLst>
     <p:sldId id="493" r:id="rId2"/>
@@ -28,19 +28,20 @@
     <p:sldId id="814" r:id="rId16"/>
     <p:sldId id="815" r:id="rId17"/>
     <p:sldId id="816" r:id="rId18"/>
-    <p:sldId id="819" r:id="rId19"/>
-    <p:sldId id="817" r:id="rId20"/>
-    <p:sldId id="820" r:id="rId21"/>
+    <p:sldId id="829" r:id="rId19"/>
+    <p:sldId id="819" r:id="rId20"/>
+    <p:sldId id="817" r:id="rId21"/>
     <p:sldId id="821" r:id="rId22"/>
-    <p:sldId id="788" r:id="rId23"/>
-    <p:sldId id="822" r:id="rId24"/>
-    <p:sldId id="823" r:id="rId25"/>
-    <p:sldId id="824" r:id="rId26"/>
-    <p:sldId id="825" r:id="rId27"/>
-    <p:sldId id="818" r:id="rId28"/>
-    <p:sldId id="790" r:id="rId29"/>
-    <p:sldId id="729" r:id="rId30"/>
-    <p:sldId id="827" r:id="rId31"/>
+    <p:sldId id="820" r:id="rId23"/>
+    <p:sldId id="788" r:id="rId24"/>
+    <p:sldId id="822" r:id="rId25"/>
+    <p:sldId id="823" r:id="rId26"/>
+    <p:sldId id="824" r:id="rId27"/>
+    <p:sldId id="825" r:id="rId28"/>
+    <p:sldId id="818" r:id="rId29"/>
+    <p:sldId id="790" r:id="rId30"/>
+    <p:sldId id="729" r:id="rId31"/>
+    <p:sldId id="827" r:id="rId32"/>
   </p:sldIdLst>
   <p:sldSz cx="12192000" cy="6858000"/>
   <p:notesSz cx="9928225" cy="6797675"/>
@@ -165,10 +166,11 @@
             <p14:sldId id="814"/>
             <p14:sldId id="815"/>
             <p14:sldId id="816"/>
+            <p14:sldId id="829"/>
             <p14:sldId id="819"/>
             <p14:sldId id="817"/>
+            <p14:sldId id="821"/>
             <p14:sldId id="820"/>
-            <p14:sldId id="821"/>
             <p14:sldId id="788"/>
           </p14:sldIdLst>
         </p14:section>
@@ -297,7 +299,7 @@
           <a:p>
             <a:fld id="{CD54E0B9-A397-428E-BA01-CD7A34B572EB}" type="datetimeFigureOut">
               <a:rPr lang="en-US" smtClean="0"/>
-              <a:t>5/16/2019</a:t>
+              <a:t>5/25/2019</a:t>
             </a:fld>
             <a:endParaRPr lang="en-US"/>
           </a:p>
@@ -462,7 +464,7 @@
           <a:p>
             <a:fld id="{AA161301-18C9-4CA0-A0BF-791B6E0DDD4D}" type="datetimeFigureOut">
               <a:rPr lang="en-GB" smtClean="0"/>
-              <a:t>16/05/2019</a:t>
+              <a:t>25/05/2019</a:t>
             </a:fld>
             <a:endParaRPr lang="en-GB"/>
           </a:p>
@@ -882,7 +884,94 @@
           <a:p>
             <a:fld id="{0BF20BA8-12AF-476D-99B2-894C09A4EE62}" type="slidenum">
               <a:rPr lang="en-GB" smtClean="0"/>
-              <a:t>22</a:t>
+              <a:t>19</a:t>
+            </a:fld>
+            <a:endParaRPr lang="en-GB"/>
+          </a:p>
+        </p:txBody>
+      </p:sp>
+    </p:spTree>
+    <p:extLst>
+      <p:ext uri="{BB962C8B-B14F-4D97-AF65-F5344CB8AC3E}">
+        <p14:creationId xmlns:p14="http://schemas.microsoft.com/office/powerpoint/2010/main" val="1300193659"/>
+      </p:ext>
+    </p:extLst>
+  </p:cSld>
+  <p:clrMapOvr>
+    <a:masterClrMapping/>
+  </p:clrMapOvr>
+</p:notes>
+</file>
+
+<file path=ppt/notesSlides/notesSlide11.xml><?xml version="1.0" encoding="utf-8"?>
+<p:notes xmlns:a="http://schemas.openxmlformats.org/drawingml/2006/main" xmlns:r="http://schemas.openxmlformats.org/officeDocument/2006/relationships" xmlns:p="http://schemas.openxmlformats.org/presentationml/2006/main">
+  <p:cSld>
+    <p:spTree>
+      <p:nvGrpSpPr>
+        <p:cNvPr id="1" name=""/>
+        <p:cNvGrpSpPr/>
+        <p:nvPr/>
+      </p:nvGrpSpPr>
+      <p:grpSpPr>
+        <a:xfrm>
+          <a:off x="0" y="0"/>
+          <a:ext cx="0" cy="0"/>
+          <a:chOff x="0" y="0"/>
+          <a:chExt cx="0" cy="0"/>
+        </a:xfrm>
+      </p:grpSpPr>
+      <p:sp>
+        <p:nvSpPr>
+          <p:cNvPr id="2" name="Slide Image Placeholder 1"/>
+          <p:cNvSpPr>
+            <a:spLocks noGrp="1" noRot="1" noChangeAspect="1"/>
+          </p:cNvSpPr>
+          <p:nvPr>
+            <p:ph type="sldImg"/>
+          </p:nvPr>
+        </p:nvSpPr>
+        <p:spPr/>
+      </p:sp>
+      <p:sp>
+        <p:nvSpPr>
+          <p:cNvPr id="3" name="Notes Placeholder 2"/>
+          <p:cNvSpPr>
+            <a:spLocks noGrp="1"/>
+          </p:cNvSpPr>
+          <p:nvPr>
+            <p:ph type="body" idx="1"/>
+          </p:nvPr>
+        </p:nvSpPr>
+        <p:spPr/>
+        <p:txBody>
+          <a:bodyPr/>
+          <a:lstStyle/>
+          <a:p>
+            <a:r>
+              <a:rPr lang="en-US" dirty="0"/>
+              <a:t>https://docs.microsoft.com/en-us/aspnet/core/security/anti-request-forgery</a:t>
+            </a:r>
+          </a:p>
+        </p:txBody>
+      </p:sp>
+      <p:sp>
+        <p:nvSpPr>
+          <p:cNvPr id="4" name="Slide Number Placeholder 3"/>
+          <p:cNvSpPr>
+            <a:spLocks noGrp="1"/>
+          </p:cNvSpPr>
+          <p:nvPr>
+            <p:ph type="sldNum" sz="quarter" idx="10"/>
+          </p:nvPr>
+        </p:nvSpPr>
+        <p:spPr/>
+        <p:txBody>
+          <a:bodyPr/>
+          <a:lstStyle/>
+          <a:p>
+            <a:fld id="{0BF20BA8-12AF-476D-99B2-894C09A4EE62}" type="slidenum">
+              <a:rPr lang="en-GB" smtClean="0"/>
+              <a:t>23</a:t>
             </a:fld>
             <a:endParaRPr lang="en-GB"/>
           </a:p>
@@ -1587,7 +1676,7 @@
     </p:spTree>
     <p:extLst>
       <p:ext uri="{BB962C8B-B14F-4D97-AF65-F5344CB8AC3E}">
-        <p14:creationId xmlns:p14="http://schemas.microsoft.com/office/powerpoint/2010/main" val="1300193659"/>
+        <p14:creationId xmlns:p14="http://schemas.microsoft.com/office/powerpoint/2010/main" val="630818279"/>
       </p:ext>
     </p:extLst>
   </p:cSld>
@@ -13238,10 +13327,7 @@
               <a:buFont typeface="Wingdings" panose="05000000000000000000" pitchFamily="2" charset="2"/>
               <a:buChar char="§"/>
             </a:pPr>
-            <a:r>
-              <a:rPr lang="en-US" dirty="0"/>
-              <a:t>STP is a technique used when the user requests a page with form data. The server sends a token associated with the current user's identity to the client. </a:t>
-            </a:r>
+            <a:endParaRPr lang="en-US" dirty="0"/>
           </a:p>
           <a:p>
             <a:pPr marL="342900" indent="-342900" algn="just">
@@ -13250,8 +13336,32 @@
             </a:pPr>
             <a:r>
               <a:rPr lang="en-US" dirty="0"/>
+              <a:t>STP is a technique used when the user requests a page with form data. The server sends a token associated with the current user's identity to the client. </a:t>
+            </a:r>
+          </a:p>
+          <a:p>
+            <a:pPr marL="342900" indent="-342900" algn="just">
+              <a:buFont typeface="Wingdings" panose="05000000000000000000" pitchFamily="2" charset="2"/>
+              <a:buChar char="§"/>
+            </a:pPr>
+            <a:endParaRPr lang="en-US" dirty="0"/>
+          </a:p>
+          <a:p>
+            <a:pPr marL="342900" indent="-342900" algn="just">
+              <a:buFont typeface="Wingdings" panose="05000000000000000000" pitchFamily="2" charset="2"/>
+              <a:buChar char="§"/>
+            </a:pPr>
+            <a:r>
+              <a:rPr lang="en-US" dirty="0"/>
               <a:t>The client must send back the token to the server for verification. If the server receives a token that doesn't match the authenticated user's identity, the request should be rejected. </a:t>
             </a:r>
+          </a:p>
+          <a:p>
+            <a:pPr marL="342900" indent="-342900" algn="just">
+              <a:buFont typeface="Wingdings" panose="05000000000000000000" pitchFamily="2" charset="2"/>
+              <a:buChar char="§"/>
+            </a:pPr>
+            <a:endParaRPr lang="en-US" dirty="0"/>
           </a:p>
           <a:p>
             <a:pPr marL="342900" indent="-342900" algn="just">
@@ -13387,7 +13497,7 @@
             </a:r>
             <a:r>
               <a:rPr lang="en-US" b="1" dirty="0"/>
-              <a:t> Tokens by default on all forms it generates: </a:t>
+              <a:t> Tokens by default in all the forms: </a:t>
             </a:r>
           </a:p>
           <a:p>
@@ -13504,123 +13614,6 @@
                 <a:latin typeface="Consolas" panose="020B0609020204030204" pitchFamily="49" charset="0"/>
               </a:rPr>
               <a:t>&lt;form</a:t>
-            </a:r>
-            <a:r>
-              <a:rPr lang="en-US" dirty="0">
-                <a:solidFill>
-                  <a:srgbClr val="000000"/>
-                </a:solidFill>
-                <a:latin typeface="Consolas" panose="020B0609020204030204" pitchFamily="49" charset="0"/>
-              </a:rPr>
-              <a:t> </a:t>
-            </a:r>
-            <a:r>
-              <a:rPr lang="en-US" dirty="0">
-                <a:solidFill>
-                  <a:srgbClr val="FF0000"/>
-                </a:solidFill>
-                <a:highlight>
-                  <a:srgbClr val="FFFF00"/>
-                </a:highlight>
-                <a:latin typeface="Consolas" panose="020B0609020204030204" pitchFamily="49" charset="0"/>
-              </a:rPr>
-              <a:t>asp-controller</a:t>
-            </a:r>
-            <a:r>
-              <a:rPr lang="en-US" dirty="0">
-                <a:solidFill>
-                  <a:srgbClr val="000000"/>
-                </a:solidFill>
-                <a:highlight>
-                  <a:srgbClr val="FFFF00"/>
-                </a:highlight>
-                <a:latin typeface="Consolas" panose="020B0609020204030204" pitchFamily="49" charset="0"/>
-              </a:rPr>
-              <a:t>=</a:t>
-            </a:r>
-            <a:r>
-              <a:rPr lang="en-US" dirty="0">
-                <a:solidFill>
-                  <a:srgbClr val="0000FF"/>
-                </a:solidFill>
-                <a:highlight>
-                  <a:srgbClr val="FFFF00"/>
-                </a:highlight>
-                <a:latin typeface="Consolas" panose="020B0609020204030204" pitchFamily="49" charset="0"/>
-              </a:rPr>
-              <a:t>"Manage"</a:t>
-            </a:r>
-            <a:r>
-              <a:rPr lang="en-US" dirty="0">
-                <a:solidFill>
-                  <a:srgbClr val="000000"/>
-                </a:solidFill>
-                <a:highlight>
-                  <a:srgbClr val="FFFF00"/>
-                </a:highlight>
-                <a:latin typeface="Consolas" panose="020B0609020204030204" pitchFamily="49" charset="0"/>
-              </a:rPr>
-              <a:t> </a:t>
-            </a:r>
-            <a:r>
-              <a:rPr lang="en-US" dirty="0">
-                <a:solidFill>
-                  <a:srgbClr val="FF0000"/>
-                </a:solidFill>
-                <a:highlight>
-                  <a:srgbClr val="FFFF00"/>
-                </a:highlight>
-                <a:latin typeface="Consolas" panose="020B0609020204030204" pitchFamily="49" charset="0"/>
-              </a:rPr>
-              <a:t>asp-action</a:t>
-            </a:r>
-            <a:r>
-              <a:rPr lang="en-US" dirty="0">
-                <a:solidFill>
-                  <a:srgbClr val="000000"/>
-                </a:solidFill>
-                <a:highlight>
-                  <a:srgbClr val="FFFF00"/>
-                </a:highlight>
-                <a:latin typeface="Consolas" panose="020B0609020204030204" pitchFamily="49" charset="0"/>
-              </a:rPr>
-              <a:t>=</a:t>
-            </a:r>
-            <a:r>
-              <a:rPr lang="en-US" dirty="0">
-                <a:solidFill>
-                  <a:srgbClr val="0000FF"/>
-                </a:solidFill>
-                <a:highlight>
-                  <a:srgbClr val="FFFF00"/>
-                </a:highlight>
-                <a:latin typeface="Consolas" panose="020B0609020204030204" pitchFamily="49" charset="0"/>
-              </a:rPr>
-              <a:t>"</a:t>
-            </a:r>
-            <a:r>
-              <a:rPr lang="en-US" dirty="0" err="1">
-                <a:solidFill>
-                  <a:srgbClr val="0000FF"/>
-                </a:solidFill>
-                <a:highlight>
-                  <a:srgbClr val="FFFF00"/>
-                </a:highlight>
-                <a:latin typeface="Consolas" panose="020B0609020204030204" pitchFamily="49" charset="0"/>
-              </a:rPr>
-              <a:t>ChangePassword</a:t>
-            </a:r>
-            <a:r>
-              <a:rPr lang="en-US" dirty="0">
-                <a:solidFill>
-                  <a:srgbClr val="0000FF"/>
-                </a:solidFill>
-                <a:highlight>
-                  <a:srgbClr val="FFFF00"/>
-                </a:highlight>
-                <a:latin typeface="Consolas" panose="020B0609020204030204" pitchFamily="49" charset="0"/>
-              </a:rPr>
-              <a:t>"</a:t>
             </a:r>
             <a:r>
               <a:rPr lang="en-US" dirty="0">
@@ -13894,61 +13887,6 @@
             </a:pPr>
             <a:r>
               <a:rPr lang="en-US" dirty="0"/>
-              <a:t>You can also explicitly add an </a:t>
-            </a:r>
-            <a:r>
-              <a:rPr lang="en-US" dirty="0" err="1"/>
-              <a:t>antiforgery</a:t>
-            </a:r>
-            <a:r>
-              <a:rPr lang="en-US" dirty="0"/>
-              <a:t> token to a &lt;form&gt; element you create without using tag helpers or HTML helpers by using @</a:t>
-            </a:r>
-            <a:r>
-              <a:rPr lang="en-US" dirty="0" err="1"/>
-              <a:t>Html.AntiForgeryToken</a:t>
-            </a:r>
-            <a:r>
-              <a:rPr lang="en-US" dirty="0"/>
-              <a:t>():</a:t>
-            </a:r>
-            <a:endParaRPr lang="ro-RO" dirty="0"/>
-          </a:p>
-          <a:p>
-            <a:pPr marL="342900" indent="-342900" algn="just">
-              <a:buFont typeface="Wingdings" panose="05000000000000000000" pitchFamily="2" charset="2"/>
-              <a:buChar char="§"/>
-            </a:pPr>
-            <a:endParaRPr lang="en-US" b="1" dirty="0"/>
-          </a:p>
-          <a:p>
-            <a:pPr marL="342900" indent="-342900" algn="just">
-              <a:buFont typeface="Wingdings" panose="05000000000000000000" pitchFamily="2" charset="2"/>
-              <a:buChar char="§"/>
-            </a:pPr>
-            <a:endParaRPr lang="en-US" b="1" dirty="0"/>
-          </a:p>
-          <a:p>
-            <a:pPr marL="342900" indent="-342900" algn="just">
-              <a:buFont typeface="Wingdings" panose="05000000000000000000" pitchFamily="2" charset="2"/>
-              <a:buChar char="§"/>
-            </a:pPr>
-            <a:endParaRPr lang="en-US" b="1" dirty="0"/>
-          </a:p>
-          <a:p>
-            <a:pPr marL="342900" indent="-342900" algn="just">
-              <a:buFont typeface="Wingdings" panose="05000000000000000000" pitchFamily="2" charset="2"/>
-              <a:buChar char="§"/>
-            </a:pPr>
-            <a:endParaRPr lang="en-US" b="1" dirty="0"/>
-          </a:p>
-          <a:p>
-            <a:pPr marL="342900" indent="-342900" algn="just">
-              <a:buFont typeface="Wingdings" panose="05000000000000000000" pitchFamily="2" charset="2"/>
-              <a:buChar char="§"/>
-            </a:pPr>
-            <a:r>
-              <a:rPr lang="en-US" dirty="0"/>
               <a:t>In each of the above cases, ASP.NET Core will add a hidden form field like the following:</a:t>
             </a:r>
             <a:endParaRPr lang="ro-RO" dirty="0"/>
@@ -13985,182 +13923,6 @@
       </p:sp>
       <p:sp>
         <p:nvSpPr>
-          <p:cNvPr id="4" name="Rectangle 3">
-            <a:extLst>
-              <a:ext uri="{FF2B5EF4-FFF2-40B4-BE49-F238E27FC236}">
-                <a16:creationId xmlns:a16="http://schemas.microsoft.com/office/drawing/2014/main" id="{58F06749-D66E-4E20-A24A-8AF1A2B46634}"/>
-              </a:ext>
-            </a:extLst>
-          </p:cNvPr>
-          <p:cNvSpPr/>
-          <p:nvPr/>
-        </p:nvSpPr>
-        <p:spPr>
-          <a:xfrm>
-            <a:off x="1465276" y="2420888"/>
-            <a:ext cx="9433048" cy="923330"/>
-          </a:xfrm>
-          <a:prstGeom prst="rect">
-            <a:avLst/>
-          </a:prstGeom>
-          <a:solidFill>
-            <a:schemeClr val="bg1"/>
-          </a:solidFill>
-        </p:spPr>
-        <p:txBody>
-          <a:bodyPr wrap="square">
-            <a:spAutoFit/>
-          </a:bodyPr>
-          <a:lstStyle/>
-          <a:p>
-            <a:r>
-              <a:rPr lang="en-US" dirty="0">
-                <a:solidFill>
-                  <a:srgbClr val="800000"/>
-                </a:solidFill>
-                <a:latin typeface="Consolas" panose="020B0609020204030204" pitchFamily="49" charset="0"/>
-              </a:rPr>
-              <a:t>&lt;form</a:t>
-            </a:r>
-            <a:r>
-              <a:rPr lang="en-US" dirty="0">
-                <a:solidFill>
-                  <a:srgbClr val="000000"/>
-                </a:solidFill>
-                <a:latin typeface="Consolas" panose="020B0609020204030204" pitchFamily="49" charset="0"/>
-              </a:rPr>
-              <a:t> </a:t>
-            </a:r>
-            <a:r>
-              <a:rPr lang="en-US" dirty="0">
-                <a:solidFill>
-                  <a:srgbClr val="FF0000"/>
-                </a:solidFill>
-                <a:latin typeface="Consolas" panose="020B0609020204030204" pitchFamily="49" charset="0"/>
-              </a:rPr>
-              <a:t>action</a:t>
-            </a:r>
-            <a:r>
-              <a:rPr lang="en-US" dirty="0">
-                <a:solidFill>
-                  <a:srgbClr val="000000"/>
-                </a:solidFill>
-                <a:latin typeface="Consolas" panose="020B0609020204030204" pitchFamily="49" charset="0"/>
-              </a:rPr>
-              <a:t>=</a:t>
-            </a:r>
-            <a:r>
-              <a:rPr lang="en-US" dirty="0">
-                <a:solidFill>
-                  <a:srgbClr val="0000FF"/>
-                </a:solidFill>
-                <a:latin typeface="Consolas" panose="020B0609020204030204" pitchFamily="49" charset="0"/>
-              </a:rPr>
-              <a:t>"/"</a:t>
-            </a:r>
-            <a:r>
-              <a:rPr lang="en-US" dirty="0">
-                <a:solidFill>
-                  <a:srgbClr val="000000"/>
-                </a:solidFill>
-                <a:latin typeface="Consolas" panose="020B0609020204030204" pitchFamily="49" charset="0"/>
-              </a:rPr>
-              <a:t> </a:t>
-            </a:r>
-            <a:r>
-              <a:rPr lang="en-US" dirty="0">
-                <a:solidFill>
-                  <a:srgbClr val="FF0000"/>
-                </a:solidFill>
-                <a:latin typeface="Consolas" panose="020B0609020204030204" pitchFamily="49" charset="0"/>
-              </a:rPr>
-              <a:t>method</a:t>
-            </a:r>
-            <a:r>
-              <a:rPr lang="en-US" dirty="0">
-                <a:solidFill>
-                  <a:srgbClr val="000000"/>
-                </a:solidFill>
-                <a:latin typeface="Consolas" panose="020B0609020204030204" pitchFamily="49" charset="0"/>
-              </a:rPr>
-              <a:t>=</a:t>
-            </a:r>
-            <a:r>
-              <a:rPr lang="en-US" dirty="0">
-                <a:solidFill>
-                  <a:srgbClr val="0000FF"/>
-                </a:solidFill>
-                <a:latin typeface="Consolas" panose="020B0609020204030204" pitchFamily="49" charset="0"/>
-              </a:rPr>
-              <a:t>"post"</a:t>
-            </a:r>
-            <a:r>
-              <a:rPr lang="en-US" dirty="0">
-                <a:solidFill>
-                  <a:srgbClr val="800000"/>
-                </a:solidFill>
-                <a:latin typeface="Consolas" panose="020B0609020204030204" pitchFamily="49" charset="0"/>
-              </a:rPr>
-              <a:t>&gt;</a:t>
-            </a:r>
-            <a:endParaRPr lang="en-US" dirty="0">
-              <a:solidFill>
-                <a:srgbClr val="000000"/>
-              </a:solidFill>
-              <a:latin typeface="Consolas" panose="020B0609020204030204" pitchFamily="49" charset="0"/>
-            </a:endParaRPr>
-          </a:p>
-          <a:p>
-            <a:r>
-              <a:rPr lang="en-US" dirty="0">
-                <a:solidFill>
-                  <a:srgbClr val="000000"/>
-                </a:solidFill>
-                <a:latin typeface="Consolas" panose="020B0609020204030204" pitchFamily="49" charset="0"/>
-              </a:rPr>
-              <a:t>	@</a:t>
-            </a:r>
-            <a:r>
-              <a:rPr lang="en-US" dirty="0" err="1">
-                <a:solidFill>
-                  <a:srgbClr val="000000"/>
-                </a:solidFill>
-                <a:latin typeface="Consolas" panose="020B0609020204030204" pitchFamily="49" charset="0"/>
-              </a:rPr>
-              <a:t>Html.AntiForgeryToken</a:t>
-            </a:r>
-            <a:r>
-              <a:rPr lang="en-US" dirty="0">
-                <a:solidFill>
-                  <a:srgbClr val="000000"/>
-                </a:solidFill>
-                <a:latin typeface="Consolas" panose="020B0609020204030204" pitchFamily="49" charset="0"/>
-              </a:rPr>
-              <a:t>()</a:t>
-            </a:r>
-          </a:p>
-          <a:p>
-            <a:r>
-              <a:rPr lang="en-US" dirty="0">
-                <a:solidFill>
-                  <a:srgbClr val="800000"/>
-                </a:solidFill>
-                <a:latin typeface="Consolas" panose="020B0609020204030204" pitchFamily="49" charset="0"/>
-              </a:rPr>
-              <a:t>&lt;/form&gt;</a:t>
-            </a:r>
-            <a:endParaRPr lang="en-US" b="0" dirty="0">
-              <a:solidFill>
-                <a:srgbClr val="000000"/>
-              </a:solidFill>
-              <a:effectLst/>
-              <a:latin typeface="Consolas" panose="020B0609020204030204" pitchFamily="49" charset="0"/>
-            </a:endParaRPr>
-          </a:p>
-        </p:txBody>
-      </p:sp>
-      <p:sp>
-        <p:nvSpPr>
           <p:cNvPr id="6" name="Rectangle 5">
             <a:extLst>
               <a:ext uri="{FF2B5EF4-FFF2-40B4-BE49-F238E27FC236}">
@@ -14173,7 +13935,7 @@
         </p:nvSpPr>
         <p:spPr>
           <a:xfrm>
-            <a:off x="1415480" y="4759984"/>
+            <a:off x="1354578" y="2690336"/>
             <a:ext cx="9482844" cy="1477328"/>
           </a:xfrm>
           <a:prstGeom prst="rect">
@@ -14428,26 +14190,8 @@
               <a:buChar char="§"/>
             </a:pPr>
             <a:r>
-              <a:rPr lang="en-US" b="1" dirty="0"/>
-              <a:t>[</a:t>
-            </a:r>
-            <a:r>
-              <a:rPr lang="ro-RO" b="1" dirty="0" err="1"/>
-              <a:t>ValidateAntiForgeryToken</a:t>
-            </a:r>
-            <a:r>
-              <a:rPr lang="en-US" b="1" dirty="0"/>
-              <a:t>]</a:t>
-            </a:r>
-          </a:p>
-          <a:p>
-            <a:pPr marL="597150" lvl="1" indent="-342900" algn="just">
-              <a:buFont typeface="Wingdings" panose="05000000000000000000" pitchFamily="2" charset="2"/>
-              <a:buChar char="§"/>
-            </a:pPr>
-            <a:r>
               <a:rPr lang="en-US" dirty="0"/>
-              <a:t>action filter that can be applied to an individual action, a controller, or globally for the app. Requests made to actions that have this filter applied will be blocked unless the request includes a valid </a:t>
+              <a:t>Automatic generation of </a:t>
             </a:r>
             <a:r>
               <a:rPr lang="en-US" dirty="0" err="1"/>
@@ -14455,7 +14199,7 @@
             </a:r>
             <a:r>
               <a:rPr lang="en-US" dirty="0"/>
-              <a:t> token.</a:t>
+              <a:t> tokens for HTML form elements can be disabled:</a:t>
             </a:r>
             <a:endParaRPr lang="ro-RO" dirty="0"/>
           </a:p>
@@ -14494,7 +14238,7 @@
           <p:cNvPr id="7" name="Rectangle 6">
             <a:extLst>
               <a:ext uri="{FF2B5EF4-FFF2-40B4-BE49-F238E27FC236}">
-                <a16:creationId xmlns:a16="http://schemas.microsoft.com/office/drawing/2014/main" id="{8CBD59D1-7D33-4DD5-9E3D-761B09765068}"/>
+                <a16:creationId xmlns:a16="http://schemas.microsoft.com/office/drawing/2014/main" id="{7DF8455D-C452-47FE-9107-3491EA8CD188}"/>
               </a:ext>
             </a:extLst>
           </p:cNvPr>
@@ -14503,8 +14247,8 @@
         </p:nvSpPr>
         <p:spPr>
           <a:xfrm>
-            <a:off x="1775520" y="3424932"/>
-            <a:ext cx="9289032" cy="2308324"/>
+            <a:off x="2353544" y="2348880"/>
+            <a:ext cx="7656512" cy="923330"/>
           </a:xfrm>
           <a:prstGeom prst="rect">
             <a:avLst/>
@@ -14520,431 +14264,391 @@
           <a:lstStyle/>
           <a:p>
             <a:r>
-              <a:rPr lang="en-US" sz="1600" dirty="0">
+              <a:rPr lang="en-US" b="1" dirty="0">
+                <a:solidFill>
+                  <a:srgbClr val="000080"/>
+                </a:solidFill>
+                <a:highlight>
+                  <a:srgbClr val="FFFFFF"/>
+                </a:highlight>
+                <a:latin typeface="Courier New" panose="02070309020205020404" pitchFamily="49" charset="0"/>
+              </a:rPr>
+              <a:t>&lt;</a:t>
+            </a:r>
+            <a:r>
+              <a:rPr lang="en-US" dirty="0">
                 <a:solidFill>
                   <a:srgbClr val="000000"/>
                 </a:solidFill>
-                <a:latin typeface="Consolas" panose="020B0609020204030204" pitchFamily="49" charset="0"/>
-              </a:rPr>
-              <a:t>[</a:t>
-            </a:r>
-            <a:r>
-              <a:rPr lang="en-US" sz="1600" dirty="0">
-                <a:solidFill>
-                  <a:srgbClr val="267F99"/>
-                </a:solidFill>
-                <a:latin typeface="Consolas" panose="020B0609020204030204" pitchFamily="49" charset="0"/>
-              </a:rPr>
-              <a:t>Authorize</a:t>
-            </a:r>
-            <a:r>
-              <a:rPr lang="en-US" sz="1600" dirty="0">
+                <a:highlight>
+                  <a:srgbClr val="FFFFFF"/>
+                </a:highlight>
+                <a:latin typeface="Courier New" panose="02070309020205020404" pitchFamily="49" charset="0"/>
+              </a:rPr>
+              <a:t>form method</a:t>
+            </a:r>
+            <a:r>
+              <a:rPr lang="en-US" b="1" dirty="0">
+                <a:solidFill>
+                  <a:srgbClr val="000080"/>
+                </a:solidFill>
+                <a:highlight>
+                  <a:srgbClr val="FFFFFF"/>
+                </a:highlight>
+                <a:latin typeface="Courier New" panose="02070309020205020404" pitchFamily="49" charset="0"/>
+              </a:rPr>
+              <a:t>=</a:t>
+            </a:r>
+            <a:r>
+              <a:rPr lang="en-US" dirty="0">
+                <a:solidFill>
+                  <a:srgbClr val="808080"/>
+                </a:solidFill>
+                <a:highlight>
+                  <a:srgbClr val="FFFFFF"/>
+                </a:highlight>
+                <a:latin typeface="Courier New" panose="02070309020205020404" pitchFamily="49" charset="0"/>
+              </a:rPr>
+              <a:t>"post"</a:t>
+            </a:r>
+            <a:r>
+              <a:rPr lang="en-US" dirty="0">
                 <a:solidFill>
                   <a:srgbClr val="000000"/>
                 </a:solidFill>
-                <a:latin typeface="Consolas" panose="020B0609020204030204" pitchFamily="49" charset="0"/>
-              </a:rPr>
-              <a:t>]</a:t>
-            </a:r>
-          </a:p>
-          <a:p>
-            <a:r>
-              <a:rPr lang="en-US" sz="1600" dirty="0">
-                <a:solidFill>
-                  <a:srgbClr val="0000FF"/>
-                </a:solidFill>
-                <a:latin typeface="Consolas" panose="020B0609020204030204" pitchFamily="49" charset="0"/>
-              </a:rPr>
-              <a:t>public</a:t>
-            </a:r>
-            <a:r>
-              <a:rPr lang="en-US" sz="1600" dirty="0">
+                <a:highlight>
+                  <a:srgbClr val="FFFFFF"/>
+                </a:highlight>
+                <a:latin typeface="Courier New" panose="02070309020205020404" pitchFamily="49" charset="0"/>
+              </a:rPr>
+              <a:t> asp</a:t>
+            </a:r>
+            <a:r>
+              <a:rPr lang="en-US" b="1" dirty="0">
+                <a:solidFill>
+                  <a:srgbClr val="000080"/>
+                </a:solidFill>
+                <a:highlight>
+                  <a:srgbClr val="FFFFFF"/>
+                </a:highlight>
+                <a:latin typeface="Courier New" panose="02070309020205020404" pitchFamily="49" charset="0"/>
+              </a:rPr>
+              <a:t>-</a:t>
+            </a:r>
+            <a:r>
+              <a:rPr lang="en-US" dirty="0" err="1">
                 <a:solidFill>
                   <a:srgbClr val="000000"/>
                 </a:solidFill>
-                <a:latin typeface="Consolas" panose="020B0609020204030204" pitchFamily="49" charset="0"/>
-              </a:rPr>
-              <a:t> </a:t>
-            </a:r>
-            <a:r>
-              <a:rPr lang="en-US" sz="1600" dirty="0">
-                <a:solidFill>
-                  <a:srgbClr val="0000FF"/>
-                </a:solidFill>
-                <a:latin typeface="Consolas" panose="020B0609020204030204" pitchFamily="49" charset="0"/>
-              </a:rPr>
-              <a:t>class</a:t>
-            </a:r>
-            <a:r>
-              <a:rPr lang="en-US" sz="1600" dirty="0">
-                <a:solidFill>
-                  <a:srgbClr val="000000"/>
-                </a:solidFill>
-                <a:latin typeface="Consolas" panose="020B0609020204030204" pitchFamily="49" charset="0"/>
-              </a:rPr>
-              <a:t> </a:t>
-            </a:r>
-            <a:r>
-              <a:rPr lang="en-US" sz="1600" dirty="0" err="1">
-                <a:solidFill>
-                  <a:srgbClr val="267F99"/>
-                </a:solidFill>
-                <a:latin typeface="Consolas" panose="020B0609020204030204" pitchFamily="49" charset="0"/>
-              </a:rPr>
-              <a:t>AccountController</a:t>
-            </a:r>
-            <a:r>
-              <a:rPr lang="en-US" sz="1600" dirty="0">
-                <a:solidFill>
-                  <a:srgbClr val="000000"/>
-                </a:solidFill>
-                <a:latin typeface="Consolas" panose="020B0609020204030204" pitchFamily="49" charset="0"/>
-              </a:rPr>
-              <a:t> : </a:t>
-            </a:r>
-            <a:r>
-              <a:rPr lang="en-US" sz="1600" dirty="0">
-                <a:solidFill>
-                  <a:srgbClr val="267F99"/>
-                </a:solidFill>
-                <a:latin typeface="Consolas" panose="020B0609020204030204" pitchFamily="49" charset="0"/>
-              </a:rPr>
-              <a:t>Controller</a:t>
-            </a:r>
-            <a:r>
-              <a:rPr lang="en-US" sz="1600" dirty="0">
-                <a:solidFill>
-                  <a:srgbClr val="000000"/>
-                </a:solidFill>
-                <a:latin typeface="Consolas" panose="020B0609020204030204" pitchFamily="49" charset="0"/>
-              </a:rPr>
-              <a:t> {</a:t>
-            </a:r>
-          </a:p>
-          <a:p>
-            <a:r>
-              <a:rPr lang="en-US" sz="1600" dirty="0">
-                <a:solidFill>
-                  <a:srgbClr val="000000"/>
-                </a:solidFill>
-                <a:latin typeface="Consolas" panose="020B0609020204030204" pitchFamily="49" charset="0"/>
-              </a:rPr>
-              <a:t>    [</a:t>
-            </a:r>
-            <a:r>
-              <a:rPr lang="en-US" sz="1600" dirty="0" err="1">
-                <a:solidFill>
-                  <a:srgbClr val="267F99"/>
-                </a:solidFill>
-                <a:latin typeface="Consolas" panose="020B0609020204030204" pitchFamily="49" charset="0"/>
-              </a:rPr>
-              <a:t>HttpPost</a:t>
-            </a:r>
-            <a:r>
-              <a:rPr lang="en-US" sz="1600" dirty="0">
-                <a:solidFill>
-                  <a:srgbClr val="000000"/>
-                </a:solidFill>
-                <a:latin typeface="Consolas" panose="020B0609020204030204" pitchFamily="49" charset="0"/>
-              </a:rPr>
-              <a:t>]</a:t>
-            </a:r>
-          </a:p>
-          <a:p>
-            <a:r>
-              <a:rPr lang="en-US" sz="1600" dirty="0">
-                <a:solidFill>
-                  <a:srgbClr val="000000"/>
-                </a:solidFill>
-                <a:latin typeface="Consolas" panose="020B0609020204030204" pitchFamily="49" charset="0"/>
-              </a:rPr>
-              <a:t>    [</a:t>
-            </a:r>
-            <a:r>
-              <a:rPr lang="en-US" sz="1600" dirty="0" err="1">
-                <a:solidFill>
-                  <a:srgbClr val="267F99"/>
-                </a:solidFill>
-                <a:latin typeface="Consolas" panose="020B0609020204030204" pitchFamily="49" charset="0"/>
-              </a:rPr>
-              <a:t>AllowAnonymous</a:t>
-            </a:r>
-            <a:r>
-              <a:rPr lang="en-US" sz="1600" dirty="0">
-                <a:solidFill>
-                  <a:srgbClr val="000000"/>
-                </a:solidFill>
-                <a:latin typeface="Consolas" panose="020B0609020204030204" pitchFamily="49" charset="0"/>
-              </a:rPr>
-              <a:t>]</a:t>
-            </a:r>
-          </a:p>
-          <a:p>
-            <a:r>
-              <a:rPr lang="en-US" sz="1600" dirty="0">
-                <a:solidFill>
-                  <a:srgbClr val="000000"/>
-                </a:solidFill>
-                <a:latin typeface="Consolas" panose="020B0609020204030204" pitchFamily="49" charset="0"/>
-              </a:rPr>
-              <a:t>   </a:t>
-            </a:r>
-            <a:r>
-              <a:rPr lang="en-US" sz="1600" dirty="0">
-                <a:solidFill>
-                  <a:srgbClr val="000000"/>
-                </a:solidFill>
                 <a:highlight>
-                  <a:srgbClr val="FFFF00"/>
+                  <a:srgbClr val="FFFFFF"/>
                 </a:highlight>
-                <a:latin typeface="Consolas" panose="020B0609020204030204" pitchFamily="49" charset="0"/>
-              </a:rPr>
-              <a:t> [</a:t>
-            </a:r>
-            <a:r>
-              <a:rPr lang="en-US" sz="1600" dirty="0" err="1">
-                <a:solidFill>
-                  <a:srgbClr val="267F99"/>
+                <a:latin typeface="Courier New" panose="02070309020205020404" pitchFamily="49" charset="0"/>
+              </a:rPr>
+              <a:t>antiforgery</a:t>
+            </a:r>
+            <a:r>
+              <a:rPr lang="en-US" b="1" dirty="0">
+                <a:solidFill>
+                  <a:srgbClr val="000080"/>
                 </a:solidFill>
                 <a:highlight>
-                  <a:srgbClr val="FFFF00"/>
+                  <a:srgbClr val="FFFFFF"/>
                 </a:highlight>
-                <a:latin typeface="Consolas" panose="020B0609020204030204" pitchFamily="49" charset="0"/>
-              </a:rPr>
-              <a:t>ValidateAntiForgeryToken</a:t>
-            </a:r>
-            <a:r>
-              <a:rPr lang="en-US" sz="1600" dirty="0">
-                <a:solidFill>
-                  <a:srgbClr val="000000"/>
+                <a:latin typeface="Courier New" panose="02070309020205020404" pitchFamily="49" charset="0"/>
+              </a:rPr>
+              <a:t>=</a:t>
+            </a:r>
+            <a:r>
+              <a:rPr lang="en-US" dirty="0">
+                <a:solidFill>
+                  <a:srgbClr val="808080"/>
                 </a:solidFill>
                 <a:highlight>
-                  <a:srgbClr val="FFFF00"/>
+                  <a:srgbClr val="FFFFFF"/>
                 </a:highlight>
-                <a:latin typeface="Consolas" panose="020B0609020204030204" pitchFamily="49" charset="0"/>
-              </a:rPr>
-              <a:t>]</a:t>
-            </a:r>
-          </a:p>
-          <a:p>
-            <a:r>
-              <a:rPr lang="en-US" sz="1600" dirty="0">
-                <a:solidFill>
-                  <a:srgbClr val="000000"/>
-                </a:solidFill>
-                <a:latin typeface="Consolas" panose="020B0609020204030204" pitchFamily="49" charset="0"/>
-              </a:rPr>
-              <a:t>    </a:t>
-            </a:r>
-            <a:r>
-              <a:rPr lang="en-US" sz="1600" dirty="0">
-                <a:solidFill>
-                  <a:srgbClr val="0000FF"/>
-                </a:solidFill>
-                <a:latin typeface="Consolas" panose="020B0609020204030204" pitchFamily="49" charset="0"/>
-              </a:rPr>
-              <a:t>public</a:t>
-            </a:r>
-            <a:r>
-              <a:rPr lang="en-US" sz="1600" dirty="0">
-                <a:solidFill>
-                  <a:srgbClr val="000000"/>
-                </a:solidFill>
-                <a:latin typeface="Consolas" panose="020B0609020204030204" pitchFamily="49" charset="0"/>
-              </a:rPr>
-              <a:t> </a:t>
-            </a:r>
-            <a:r>
-              <a:rPr lang="en-US" sz="1600" dirty="0" err="1">
-                <a:solidFill>
-                  <a:srgbClr val="0000FF"/>
-                </a:solidFill>
-                <a:latin typeface="Consolas" panose="020B0609020204030204" pitchFamily="49" charset="0"/>
-              </a:rPr>
-              <a:t>async</a:t>
-            </a:r>
-            <a:r>
-              <a:rPr lang="en-US" sz="1600" dirty="0">
-                <a:solidFill>
-                  <a:srgbClr val="000000"/>
-                </a:solidFill>
-                <a:latin typeface="Consolas" panose="020B0609020204030204" pitchFamily="49" charset="0"/>
-              </a:rPr>
-              <a:t> </a:t>
-            </a:r>
-            <a:r>
-              <a:rPr lang="en-US" sz="1600" dirty="0">
-                <a:solidFill>
-                  <a:srgbClr val="267F99"/>
-                </a:solidFill>
-                <a:latin typeface="Consolas" panose="020B0609020204030204" pitchFamily="49" charset="0"/>
-              </a:rPr>
-              <a:t>Task</a:t>
-            </a:r>
-            <a:r>
-              <a:rPr lang="en-US" sz="1600" dirty="0">
-                <a:solidFill>
-                  <a:srgbClr val="000000"/>
-                </a:solidFill>
-                <a:latin typeface="Consolas" panose="020B0609020204030204" pitchFamily="49" charset="0"/>
-              </a:rPr>
-              <a:t>&lt;</a:t>
-            </a:r>
-            <a:r>
-              <a:rPr lang="en-US" sz="1600" dirty="0" err="1">
-                <a:solidFill>
-                  <a:srgbClr val="267F99"/>
-                </a:solidFill>
-                <a:latin typeface="Consolas" panose="020B0609020204030204" pitchFamily="49" charset="0"/>
-              </a:rPr>
-              <a:t>IActionResult</a:t>
-            </a:r>
-            <a:r>
-              <a:rPr lang="en-US" sz="1600" dirty="0">
-                <a:solidFill>
-                  <a:srgbClr val="000000"/>
-                </a:solidFill>
-                <a:latin typeface="Consolas" panose="020B0609020204030204" pitchFamily="49" charset="0"/>
-              </a:rPr>
-              <a:t>&gt; </a:t>
-            </a:r>
-            <a:r>
-              <a:rPr lang="en-US" sz="1600" dirty="0">
-                <a:solidFill>
-                  <a:srgbClr val="795E26"/>
-                </a:solidFill>
-                <a:latin typeface="Consolas" panose="020B0609020204030204" pitchFamily="49" charset="0"/>
-              </a:rPr>
-              <a:t>Login</a:t>
-            </a:r>
-            <a:r>
-              <a:rPr lang="en-US" sz="1600" dirty="0">
-                <a:solidFill>
-                  <a:srgbClr val="000000"/>
-                </a:solidFill>
-                <a:latin typeface="Consolas" panose="020B0609020204030204" pitchFamily="49" charset="0"/>
-              </a:rPr>
-              <a:t>(</a:t>
-            </a:r>
-            <a:r>
-              <a:rPr lang="en-US" sz="1600" dirty="0" err="1">
-                <a:solidFill>
-                  <a:srgbClr val="267F99"/>
-                </a:solidFill>
-                <a:latin typeface="Consolas" panose="020B0609020204030204" pitchFamily="49" charset="0"/>
-              </a:rPr>
-              <a:t>LoginModel</a:t>
-            </a:r>
-            <a:r>
-              <a:rPr lang="en-US" sz="1600" dirty="0">
-                <a:solidFill>
-                  <a:srgbClr val="000000"/>
-                </a:solidFill>
-                <a:latin typeface="Consolas" panose="020B0609020204030204" pitchFamily="49" charset="0"/>
-              </a:rPr>
-              <a:t> details) {</a:t>
-            </a:r>
-          </a:p>
-          <a:p>
-            <a:r>
-              <a:rPr lang="en-US" sz="1600" dirty="0">
-                <a:solidFill>
-                  <a:srgbClr val="000000"/>
-                </a:solidFill>
-                <a:latin typeface="Consolas" panose="020B0609020204030204" pitchFamily="49" charset="0"/>
-              </a:rPr>
-              <a:t>        </a:t>
-            </a:r>
-            <a:r>
-              <a:rPr lang="en-US" sz="1600" dirty="0">
-                <a:solidFill>
-                  <a:srgbClr val="AF00DB"/>
-                </a:solidFill>
-                <a:latin typeface="Consolas" panose="020B0609020204030204" pitchFamily="49" charset="0"/>
-              </a:rPr>
-              <a:t>return</a:t>
-            </a:r>
-            <a:r>
-              <a:rPr lang="en-US" sz="1600" dirty="0">
-                <a:solidFill>
-                  <a:srgbClr val="000000"/>
-                </a:solidFill>
-                <a:latin typeface="Consolas" panose="020B0609020204030204" pitchFamily="49" charset="0"/>
-              </a:rPr>
-              <a:t> </a:t>
-            </a:r>
-            <a:r>
-              <a:rPr lang="en-US" sz="1600" dirty="0">
-                <a:solidFill>
-                  <a:srgbClr val="795E26"/>
-                </a:solidFill>
-                <a:latin typeface="Consolas" panose="020B0609020204030204" pitchFamily="49" charset="0"/>
-              </a:rPr>
-              <a:t>View</a:t>
-            </a:r>
-            <a:r>
-              <a:rPr lang="en-US" sz="1600" dirty="0">
-                <a:solidFill>
-                  <a:srgbClr val="000000"/>
-                </a:solidFill>
-                <a:latin typeface="Consolas" panose="020B0609020204030204" pitchFamily="49" charset="0"/>
-              </a:rPr>
-              <a:t>(</a:t>
-            </a:r>
-            <a:r>
-              <a:rPr lang="en-US" sz="1600" dirty="0">
-                <a:solidFill>
-                  <a:srgbClr val="001080"/>
-                </a:solidFill>
-                <a:latin typeface="Consolas" panose="020B0609020204030204" pitchFamily="49" charset="0"/>
-              </a:rPr>
-              <a:t>details</a:t>
-            </a:r>
-            <a:r>
-              <a:rPr lang="en-US" sz="1600" dirty="0">
-                <a:solidFill>
-                  <a:srgbClr val="000000"/>
-                </a:solidFill>
-                <a:latin typeface="Consolas" panose="020B0609020204030204" pitchFamily="49" charset="0"/>
-              </a:rPr>
-              <a:t>);</a:t>
-            </a:r>
-          </a:p>
-          <a:p>
-            <a:r>
-              <a:rPr lang="en-US" sz="1600" dirty="0">
-                <a:solidFill>
-                  <a:srgbClr val="000000"/>
-                </a:solidFill>
-                <a:latin typeface="Consolas" panose="020B0609020204030204" pitchFamily="49" charset="0"/>
-              </a:rPr>
-              <a:t>    }</a:t>
-            </a:r>
-          </a:p>
-          <a:p>
-            <a:r>
-              <a:rPr lang="en-US" sz="1600" dirty="0">
-                <a:solidFill>
-                  <a:srgbClr val="000000"/>
-                </a:solidFill>
-                <a:latin typeface="Consolas" panose="020B0609020204030204" pitchFamily="49" charset="0"/>
-              </a:rPr>
-              <a:t>}</a:t>
-            </a:r>
-            <a:endParaRPr lang="en-US" sz="1600" b="0" dirty="0">
+                <a:latin typeface="Courier New" panose="02070309020205020404" pitchFamily="49" charset="0"/>
+              </a:rPr>
+              <a:t>"false"</a:t>
+            </a:r>
+            <a:r>
+              <a:rPr lang="en-US" b="1" dirty="0">
+                <a:solidFill>
+                  <a:srgbClr val="000080"/>
+                </a:solidFill>
+                <a:highlight>
+                  <a:srgbClr val="FFFFFF"/>
+                </a:highlight>
+                <a:latin typeface="Courier New" panose="02070309020205020404" pitchFamily="49" charset="0"/>
+              </a:rPr>
+              <a:t>&gt;</a:t>
+            </a:r>
+            <a:endParaRPr lang="en-US" dirty="0">
               <a:solidFill>
                 <a:srgbClr val="000000"/>
               </a:solidFill>
-              <a:effectLst/>
-              <a:latin typeface="Consolas" panose="020B0609020204030204" pitchFamily="49" charset="0"/>
+              <a:highlight>
+                <a:srgbClr val="FFFFFF"/>
+              </a:highlight>
+              <a:latin typeface="Courier New" panose="02070309020205020404" pitchFamily="49" charset="0"/>
             </a:endParaRPr>
+          </a:p>
+          <a:p>
+            <a:r>
+              <a:rPr lang="en-US" dirty="0">
+                <a:solidFill>
+                  <a:srgbClr val="000000"/>
+                </a:solidFill>
+                <a:highlight>
+                  <a:srgbClr val="FFFFFF"/>
+                </a:highlight>
+                <a:latin typeface="Courier New" panose="02070309020205020404" pitchFamily="49" charset="0"/>
+              </a:rPr>
+              <a:t>    </a:t>
+            </a:r>
+            <a:r>
+              <a:rPr lang="en-US" b="1" dirty="0">
+                <a:solidFill>
+                  <a:srgbClr val="000080"/>
+                </a:solidFill>
+                <a:highlight>
+                  <a:srgbClr val="FFFFFF"/>
+                </a:highlight>
+                <a:latin typeface="Courier New" panose="02070309020205020404" pitchFamily="49" charset="0"/>
+              </a:rPr>
+              <a:t>...</a:t>
+            </a:r>
+            <a:endParaRPr lang="en-US" dirty="0">
+              <a:solidFill>
+                <a:srgbClr val="000000"/>
+              </a:solidFill>
+              <a:highlight>
+                <a:srgbClr val="FFFFFF"/>
+              </a:highlight>
+              <a:latin typeface="Courier New" panose="02070309020205020404" pitchFamily="49" charset="0"/>
+            </a:endParaRPr>
+          </a:p>
+          <a:p>
+            <a:r>
+              <a:rPr lang="en-US" b="1" dirty="0">
+                <a:solidFill>
+                  <a:srgbClr val="000080"/>
+                </a:solidFill>
+                <a:highlight>
+                  <a:srgbClr val="FFFFFF"/>
+                </a:highlight>
+                <a:latin typeface="Courier New" panose="02070309020205020404" pitchFamily="49" charset="0"/>
+              </a:rPr>
+              <a:t>&lt;/</a:t>
+            </a:r>
+            <a:r>
+              <a:rPr lang="en-US" dirty="0">
+                <a:solidFill>
+                  <a:srgbClr val="000000"/>
+                </a:solidFill>
+                <a:highlight>
+                  <a:srgbClr val="FFFFFF"/>
+                </a:highlight>
+                <a:latin typeface="Courier New" panose="02070309020205020404" pitchFamily="49" charset="0"/>
+              </a:rPr>
+              <a:t>form</a:t>
+            </a:r>
+            <a:r>
+              <a:rPr lang="en-US" b="1" dirty="0">
+                <a:solidFill>
+                  <a:srgbClr val="000080"/>
+                </a:solidFill>
+                <a:highlight>
+                  <a:srgbClr val="FFFFFF"/>
+                </a:highlight>
+                <a:latin typeface="Courier New" panose="02070309020205020404" pitchFamily="49" charset="0"/>
+              </a:rPr>
+              <a:t>&gt;</a:t>
+            </a:r>
+            <a:endParaRPr lang="en-US" dirty="0"/>
+          </a:p>
+        </p:txBody>
+      </p:sp>
+      <p:sp>
+        <p:nvSpPr>
+          <p:cNvPr id="8" name="Rectangle 7">
+            <a:extLst>
+              <a:ext uri="{FF2B5EF4-FFF2-40B4-BE49-F238E27FC236}">
+                <a16:creationId xmlns:a16="http://schemas.microsoft.com/office/drawing/2014/main" id="{E8FCA60B-C639-4507-AFD5-6399F97D6F9C}"/>
+              </a:ext>
+            </a:extLst>
+          </p:cNvPr>
+          <p:cNvSpPr/>
+          <p:nvPr/>
+        </p:nvSpPr>
+        <p:spPr>
+          <a:xfrm>
+            <a:off x="2353544" y="3933056"/>
+            <a:ext cx="6096000" cy="923330"/>
+          </a:xfrm>
+          <a:prstGeom prst="rect">
+            <a:avLst/>
+          </a:prstGeom>
+          <a:solidFill>
+            <a:schemeClr val="bg1"/>
+          </a:solidFill>
+        </p:spPr>
+        <p:txBody>
+          <a:bodyPr>
+            <a:spAutoFit/>
+          </a:bodyPr>
+          <a:lstStyle/>
+          <a:p>
+            <a:r>
+              <a:rPr lang="en-US" b="1" dirty="0">
+                <a:solidFill>
+                  <a:srgbClr val="000080"/>
+                </a:solidFill>
+                <a:highlight>
+                  <a:srgbClr val="FFFFFF"/>
+                </a:highlight>
+                <a:latin typeface="Courier New" panose="02070309020205020404" pitchFamily="49" charset="0"/>
+              </a:rPr>
+              <a:t>&lt;!</a:t>
+            </a:r>
+            <a:r>
+              <a:rPr lang="en-US" dirty="0">
+                <a:solidFill>
+                  <a:srgbClr val="000000"/>
+                </a:solidFill>
+                <a:highlight>
+                  <a:srgbClr val="FFFFFF"/>
+                </a:highlight>
+                <a:latin typeface="Courier New" panose="02070309020205020404" pitchFamily="49" charset="0"/>
+              </a:rPr>
+              <a:t>form method</a:t>
+            </a:r>
+            <a:r>
+              <a:rPr lang="en-US" b="1" dirty="0">
+                <a:solidFill>
+                  <a:srgbClr val="000080"/>
+                </a:solidFill>
+                <a:highlight>
+                  <a:srgbClr val="FFFFFF"/>
+                </a:highlight>
+                <a:latin typeface="Courier New" panose="02070309020205020404" pitchFamily="49" charset="0"/>
+              </a:rPr>
+              <a:t>=</a:t>
+            </a:r>
+            <a:r>
+              <a:rPr lang="en-US" dirty="0">
+                <a:solidFill>
+                  <a:srgbClr val="808080"/>
+                </a:solidFill>
+                <a:highlight>
+                  <a:srgbClr val="FFFFFF"/>
+                </a:highlight>
+                <a:latin typeface="Courier New" panose="02070309020205020404" pitchFamily="49" charset="0"/>
+              </a:rPr>
+              <a:t>"post"</a:t>
+            </a:r>
+            <a:r>
+              <a:rPr lang="en-US" b="1" dirty="0">
+                <a:solidFill>
+                  <a:srgbClr val="000080"/>
+                </a:solidFill>
+                <a:highlight>
+                  <a:srgbClr val="FFFFFF"/>
+                </a:highlight>
+                <a:latin typeface="Courier New" panose="02070309020205020404" pitchFamily="49" charset="0"/>
+              </a:rPr>
+              <a:t>&gt;</a:t>
+            </a:r>
+            <a:endParaRPr lang="en-US" dirty="0">
+              <a:solidFill>
+                <a:srgbClr val="000000"/>
+              </a:solidFill>
+              <a:highlight>
+                <a:srgbClr val="FFFFFF"/>
+              </a:highlight>
+              <a:latin typeface="Courier New" panose="02070309020205020404" pitchFamily="49" charset="0"/>
+            </a:endParaRPr>
+          </a:p>
+          <a:p>
+            <a:r>
+              <a:rPr lang="en-US" dirty="0">
+                <a:solidFill>
+                  <a:srgbClr val="000000"/>
+                </a:solidFill>
+                <a:highlight>
+                  <a:srgbClr val="FFFFFF"/>
+                </a:highlight>
+                <a:latin typeface="Courier New" panose="02070309020205020404" pitchFamily="49" charset="0"/>
+              </a:rPr>
+              <a:t>    </a:t>
+            </a:r>
+            <a:r>
+              <a:rPr lang="en-US" b="1" dirty="0">
+                <a:solidFill>
+                  <a:srgbClr val="000080"/>
+                </a:solidFill>
+                <a:highlight>
+                  <a:srgbClr val="FFFFFF"/>
+                </a:highlight>
+                <a:latin typeface="Courier New" panose="02070309020205020404" pitchFamily="49" charset="0"/>
+              </a:rPr>
+              <a:t>...</a:t>
+            </a:r>
+            <a:endParaRPr lang="en-US" dirty="0">
+              <a:solidFill>
+                <a:srgbClr val="000000"/>
+              </a:solidFill>
+              <a:highlight>
+                <a:srgbClr val="FFFFFF"/>
+              </a:highlight>
+              <a:latin typeface="Courier New" panose="02070309020205020404" pitchFamily="49" charset="0"/>
+            </a:endParaRPr>
+          </a:p>
+          <a:p>
+            <a:r>
+              <a:rPr lang="en-US" b="1" dirty="0">
+                <a:solidFill>
+                  <a:srgbClr val="000080"/>
+                </a:solidFill>
+                <a:highlight>
+                  <a:srgbClr val="FFFFFF"/>
+                </a:highlight>
+                <a:latin typeface="Courier New" panose="02070309020205020404" pitchFamily="49" charset="0"/>
+              </a:rPr>
+              <a:t>&lt;/!</a:t>
+            </a:r>
+            <a:r>
+              <a:rPr lang="en-US" dirty="0">
+                <a:solidFill>
+                  <a:srgbClr val="000000"/>
+                </a:solidFill>
+                <a:highlight>
+                  <a:srgbClr val="FFFFFF"/>
+                </a:highlight>
+                <a:latin typeface="Courier New" panose="02070309020205020404" pitchFamily="49" charset="0"/>
+              </a:rPr>
+              <a:t>form</a:t>
+            </a:r>
+            <a:r>
+              <a:rPr lang="en-US" b="1" dirty="0">
+                <a:solidFill>
+                  <a:srgbClr val="000080"/>
+                </a:solidFill>
+                <a:highlight>
+                  <a:srgbClr val="FFFFFF"/>
+                </a:highlight>
+                <a:latin typeface="Courier New" panose="02070309020205020404" pitchFamily="49" charset="0"/>
+              </a:rPr>
+              <a:t>&gt;</a:t>
+            </a:r>
+            <a:endParaRPr lang="en-US" dirty="0"/>
           </a:p>
         </p:txBody>
       </p:sp>
     </p:spTree>
     <p:extLst>
       <p:ext uri="{BB962C8B-B14F-4D97-AF65-F5344CB8AC3E}">
-        <p14:creationId xmlns:p14="http://schemas.microsoft.com/office/powerpoint/2010/main" val="2739296328"/>
+        <p14:creationId xmlns:p14="http://schemas.microsoft.com/office/powerpoint/2010/main" val="3982896497"/>
       </p:ext>
     </p:extLst>
   </p:cSld>
@@ -14985,7 +14689,7 @@
       </p:grpSpPr>
       <p:sp>
         <p:nvSpPr>
-          <p:cNvPr id="3" name="Title 2"/>
+          <p:cNvPr id="2" name="Title 1"/>
           <p:cNvSpPr>
             <a:spLocks noGrp="1"/>
           </p:cNvSpPr>
@@ -15002,44 +14706,72 @@
               <a:rPr lang="en-US" dirty="0"/>
               <a:t>Cross-Site Request forgery</a:t>
             </a:r>
+            <a:endParaRPr lang="ro-RO" dirty="0"/>
           </a:p>
         </p:txBody>
       </p:sp>
-      <p:pic>
-        <p:nvPicPr>
-          <p:cNvPr id="9" name="Content Placeholder 8"/>
-          <p:cNvPicPr>
-            <a:picLocks noGrp="1" noChangeAspect="1"/>
-          </p:cNvPicPr>
+      <p:sp>
+        <p:nvSpPr>
+          <p:cNvPr id="3" name="Content Placeholder 2"/>
+          <p:cNvSpPr>
+            <a:spLocks noGrp="1"/>
+          </p:cNvSpPr>
           <p:nvPr>
             <p:ph idx="1"/>
           </p:nvPr>
-        </p:nvPicPr>
-        <p:blipFill>
-          <a:blip r:embed="rId2" cstate="print">
+        </p:nvSpPr>
+        <p:spPr/>
+        <p:txBody>
+          <a:bodyPr/>
+          <a:lstStyle/>
+          <a:p>
+            <a:pPr marL="342900" indent="-342900" algn="just">
+              <a:buFont typeface="Wingdings" panose="05000000000000000000" pitchFamily="2" charset="2"/>
+              <a:buChar char="§"/>
+            </a:pPr>
+            <a:r>
+              <a:rPr lang="en-US" b="1" dirty="0"/>
+              <a:t>[</a:t>
+            </a:r>
+            <a:r>
+              <a:rPr lang="ro-RO" b="1" dirty="0" err="1"/>
+              <a:t>ValidateAntiForgeryToken</a:t>
+            </a:r>
+            <a:r>
+              <a:rPr lang="en-US" b="1" dirty="0"/>
+              <a:t>]</a:t>
+            </a:r>
+          </a:p>
+          <a:p>
+            <a:pPr marL="597150" lvl="1" indent="-342900" algn="just">
+              <a:buFont typeface="Wingdings" panose="05000000000000000000" pitchFamily="2" charset="2"/>
+              <a:buChar char="§"/>
+            </a:pPr>
+            <a:r>
+              <a:rPr lang="en-US" dirty="0"/>
+              <a:t>action filter that can be applied to an individual action, a controller, or globally for the app. Requests made to actions that have this filter applied will be blocked unless the request includes a valid </a:t>
+            </a:r>
+            <a:r>
+              <a:rPr lang="en-US" dirty="0" err="1"/>
+              <a:t>antiforgery</a:t>
+            </a:r>
+            <a:r>
+              <a:rPr lang="en-US" dirty="0"/>
+              <a:t> token.</a:t>
+            </a:r>
+            <a:endParaRPr lang="ro-RO" dirty="0"/>
+          </a:p>
+        </p:txBody>
+      </p:sp>
+      <p:sp>
+        <p:nvSpPr>
+          <p:cNvPr id="5" name="Text Placeholder 4">
             <a:extLst>
-              <a:ext uri="{28A0092B-C50C-407E-A947-70E740481C1C}">
-                <a14:useLocalDpi xmlns:a14="http://schemas.microsoft.com/office/drawing/2010/main" val="0"/>
+              <a:ext uri="{FF2B5EF4-FFF2-40B4-BE49-F238E27FC236}">
+                <a16:creationId xmlns:a16="http://schemas.microsoft.com/office/drawing/2014/main" id="{52A29470-1D14-4DB4-B2EB-AC6AD725BE5C}"/>
               </a:ext>
             </a:extLst>
-          </a:blip>
-          <a:stretch>
-            <a:fillRect/>
-          </a:stretch>
-        </p:blipFill>
-        <p:spPr>
-          <a:xfrm>
-            <a:off x="4655840" y="2420888"/>
-            <a:ext cx="3177851" cy="3177851"/>
-          </a:xfrm>
-          <a:prstGeom prst="rect">
-            <a:avLst/>
-          </a:prstGeom>
-        </p:spPr>
-      </p:pic>
-      <p:sp>
-        <p:nvSpPr>
-          <p:cNvPr id="6" name="Text Placeholder 5"/>
+          </p:cNvPr>
           <p:cNvSpPr>
             <a:spLocks noGrp="1"/>
           </p:cNvSpPr>
@@ -15054,15 +14786,467 @@
           <a:p>
             <a:r>
               <a:rPr lang="en-US" dirty="0"/>
-              <a:t>Demo</a:t>
-            </a:r>
+              <a:t>How does ASP.NET Core MVC address CSRF?</a:t>
+            </a:r>
+          </a:p>
+        </p:txBody>
+      </p:sp>
+      <p:sp>
+        <p:nvSpPr>
+          <p:cNvPr id="7" name="Rectangle 6">
+            <a:extLst>
+              <a:ext uri="{FF2B5EF4-FFF2-40B4-BE49-F238E27FC236}">
+                <a16:creationId xmlns:a16="http://schemas.microsoft.com/office/drawing/2014/main" id="{8CBD59D1-7D33-4DD5-9E3D-761B09765068}"/>
+              </a:ext>
+            </a:extLst>
+          </p:cNvPr>
+          <p:cNvSpPr/>
+          <p:nvPr/>
+        </p:nvSpPr>
+        <p:spPr>
+          <a:xfrm>
+            <a:off x="1775520" y="3424932"/>
+            <a:ext cx="9289032" cy="2308324"/>
+          </a:xfrm>
+          <a:prstGeom prst="rect">
+            <a:avLst/>
+          </a:prstGeom>
+          <a:solidFill>
+            <a:schemeClr val="bg1"/>
+          </a:solidFill>
+        </p:spPr>
+        <p:txBody>
+          <a:bodyPr wrap="square">
+            <a:spAutoFit/>
+          </a:bodyPr>
+          <a:lstStyle/>
+          <a:p>
+            <a:r>
+              <a:rPr lang="en-US" sz="1600" dirty="0">
+                <a:solidFill>
+                  <a:srgbClr val="000000"/>
+                </a:solidFill>
+                <a:latin typeface="Consolas" panose="020B0609020204030204" pitchFamily="49" charset="0"/>
+              </a:rPr>
+              <a:t>[</a:t>
+            </a:r>
+            <a:r>
+              <a:rPr lang="en-US" sz="1600" dirty="0">
+                <a:solidFill>
+                  <a:srgbClr val="267F99"/>
+                </a:solidFill>
+                <a:latin typeface="Consolas" panose="020B0609020204030204" pitchFamily="49" charset="0"/>
+              </a:rPr>
+              <a:t>Authorize</a:t>
+            </a:r>
+            <a:r>
+              <a:rPr lang="en-US" sz="1600" dirty="0">
+                <a:solidFill>
+                  <a:srgbClr val="000000"/>
+                </a:solidFill>
+                <a:latin typeface="Consolas" panose="020B0609020204030204" pitchFamily="49" charset="0"/>
+              </a:rPr>
+              <a:t>]</a:t>
+            </a:r>
+          </a:p>
+          <a:p>
+            <a:r>
+              <a:rPr lang="en-US" sz="1600" dirty="0">
+                <a:solidFill>
+                  <a:srgbClr val="0000FF"/>
+                </a:solidFill>
+                <a:latin typeface="Consolas" panose="020B0609020204030204" pitchFamily="49" charset="0"/>
+              </a:rPr>
+              <a:t>public</a:t>
+            </a:r>
+            <a:r>
+              <a:rPr lang="en-US" sz="1600" dirty="0">
+                <a:solidFill>
+                  <a:srgbClr val="000000"/>
+                </a:solidFill>
+                <a:latin typeface="Consolas" panose="020B0609020204030204" pitchFamily="49" charset="0"/>
+              </a:rPr>
+              <a:t> </a:t>
+            </a:r>
+            <a:r>
+              <a:rPr lang="en-US" sz="1600" dirty="0">
+                <a:solidFill>
+                  <a:srgbClr val="0000FF"/>
+                </a:solidFill>
+                <a:latin typeface="Consolas" panose="020B0609020204030204" pitchFamily="49" charset="0"/>
+              </a:rPr>
+              <a:t>class</a:t>
+            </a:r>
+            <a:r>
+              <a:rPr lang="en-US" sz="1600" dirty="0">
+                <a:solidFill>
+                  <a:srgbClr val="000000"/>
+                </a:solidFill>
+                <a:latin typeface="Consolas" panose="020B0609020204030204" pitchFamily="49" charset="0"/>
+              </a:rPr>
+              <a:t> </a:t>
+            </a:r>
+            <a:r>
+              <a:rPr lang="en-US" sz="1600" dirty="0" err="1">
+                <a:solidFill>
+                  <a:srgbClr val="267F99"/>
+                </a:solidFill>
+                <a:latin typeface="Consolas" panose="020B0609020204030204" pitchFamily="49" charset="0"/>
+              </a:rPr>
+              <a:t>AccountController</a:t>
+            </a:r>
+            <a:r>
+              <a:rPr lang="en-US" sz="1600" dirty="0">
+                <a:solidFill>
+                  <a:srgbClr val="000000"/>
+                </a:solidFill>
+                <a:latin typeface="Consolas" panose="020B0609020204030204" pitchFamily="49" charset="0"/>
+              </a:rPr>
+              <a:t> : </a:t>
+            </a:r>
+            <a:r>
+              <a:rPr lang="en-US" sz="1600" dirty="0">
+                <a:solidFill>
+                  <a:srgbClr val="267F99"/>
+                </a:solidFill>
+                <a:latin typeface="Consolas" panose="020B0609020204030204" pitchFamily="49" charset="0"/>
+              </a:rPr>
+              <a:t>Controller</a:t>
+            </a:r>
+            <a:r>
+              <a:rPr lang="en-US" sz="1600" dirty="0">
+                <a:solidFill>
+                  <a:srgbClr val="000000"/>
+                </a:solidFill>
+                <a:latin typeface="Consolas" panose="020B0609020204030204" pitchFamily="49" charset="0"/>
+              </a:rPr>
+              <a:t> {</a:t>
+            </a:r>
+          </a:p>
+          <a:p>
+            <a:r>
+              <a:rPr lang="en-US" sz="1600" dirty="0">
+                <a:solidFill>
+                  <a:srgbClr val="000000"/>
+                </a:solidFill>
+                <a:latin typeface="Consolas" panose="020B0609020204030204" pitchFamily="49" charset="0"/>
+              </a:rPr>
+              <a:t>    [</a:t>
+            </a:r>
+            <a:r>
+              <a:rPr lang="en-US" sz="1600" dirty="0" err="1">
+                <a:solidFill>
+                  <a:srgbClr val="267F99"/>
+                </a:solidFill>
+                <a:latin typeface="Consolas" panose="020B0609020204030204" pitchFamily="49" charset="0"/>
+              </a:rPr>
+              <a:t>HttpPost</a:t>
+            </a:r>
+            <a:r>
+              <a:rPr lang="en-US" sz="1600" dirty="0">
+                <a:solidFill>
+                  <a:srgbClr val="000000"/>
+                </a:solidFill>
+                <a:latin typeface="Consolas" panose="020B0609020204030204" pitchFamily="49" charset="0"/>
+              </a:rPr>
+              <a:t>]</a:t>
+            </a:r>
+          </a:p>
+          <a:p>
+            <a:r>
+              <a:rPr lang="en-US" sz="1600" dirty="0">
+                <a:solidFill>
+                  <a:srgbClr val="000000"/>
+                </a:solidFill>
+                <a:latin typeface="Consolas" panose="020B0609020204030204" pitchFamily="49" charset="0"/>
+              </a:rPr>
+              <a:t>    [</a:t>
+            </a:r>
+            <a:r>
+              <a:rPr lang="en-US" sz="1600" dirty="0" err="1">
+                <a:solidFill>
+                  <a:srgbClr val="267F99"/>
+                </a:solidFill>
+                <a:latin typeface="Consolas" panose="020B0609020204030204" pitchFamily="49" charset="0"/>
+              </a:rPr>
+              <a:t>AllowAnonymous</a:t>
+            </a:r>
+            <a:r>
+              <a:rPr lang="en-US" sz="1600" dirty="0">
+                <a:solidFill>
+                  <a:srgbClr val="000000"/>
+                </a:solidFill>
+                <a:latin typeface="Consolas" panose="020B0609020204030204" pitchFamily="49" charset="0"/>
+              </a:rPr>
+              <a:t>]</a:t>
+            </a:r>
+          </a:p>
+          <a:p>
+            <a:r>
+              <a:rPr lang="en-US" sz="1600" dirty="0">
+                <a:solidFill>
+                  <a:srgbClr val="000000"/>
+                </a:solidFill>
+                <a:latin typeface="Consolas" panose="020B0609020204030204" pitchFamily="49" charset="0"/>
+              </a:rPr>
+              <a:t>   </a:t>
+            </a:r>
+            <a:r>
+              <a:rPr lang="en-US" sz="1600" dirty="0">
+                <a:solidFill>
+                  <a:srgbClr val="000000"/>
+                </a:solidFill>
+                <a:highlight>
+                  <a:srgbClr val="FFFF00"/>
+                </a:highlight>
+                <a:latin typeface="Consolas" panose="020B0609020204030204" pitchFamily="49" charset="0"/>
+              </a:rPr>
+              <a:t> [</a:t>
+            </a:r>
+            <a:r>
+              <a:rPr lang="en-US" sz="1600" dirty="0" err="1">
+                <a:solidFill>
+                  <a:srgbClr val="267F99"/>
+                </a:solidFill>
+                <a:highlight>
+                  <a:srgbClr val="FFFF00"/>
+                </a:highlight>
+                <a:latin typeface="Consolas" panose="020B0609020204030204" pitchFamily="49" charset="0"/>
+              </a:rPr>
+              <a:t>ValidateAntiForgeryToken</a:t>
+            </a:r>
+            <a:r>
+              <a:rPr lang="en-US" sz="1600" dirty="0">
+                <a:solidFill>
+                  <a:srgbClr val="000000"/>
+                </a:solidFill>
+                <a:highlight>
+                  <a:srgbClr val="FFFF00"/>
+                </a:highlight>
+                <a:latin typeface="Consolas" panose="020B0609020204030204" pitchFamily="49" charset="0"/>
+              </a:rPr>
+              <a:t>]</a:t>
+            </a:r>
+          </a:p>
+          <a:p>
+            <a:r>
+              <a:rPr lang="en-US" sz="1600" dirty="0">
+                <a:solidFill>
+                  <a:srgbClr val="000000"/>
+                </a:solidFill>
+                <a:latin typeface="Consolas" panose="020B0609020204030204" pitchFamily="49" charset="0"/>
+              </a:rPr>
+              <a:t>    </a:t>
+            </a:r>
+            <a:r>
+              <a:rPr lang="en-US" sz="1600" dirty="0">
+                <a:solidFill>
+                  <a:srgbClr val="0000FF"/>
+                </a:solidFill>
+                <a:latin typeface="Consolas" panose="020B0609020204030204" pitchFamily="49" charset="0"/>
+              </a:rPr>
+              <a:t>public</a:t>
+            </a:r>
+            <a:r>
+              <a:rPr lang="en-US" sz="1600" dirty="0">
+                <a:solidFill>
+                  <a:srgbClr val="000000"/>
+                </a:solidFill>
+                <a:latin typeface="Consolas" panose="020B0609020204030204" pitchFamily="49" charset="0"/>
+              </a:rPr>
+              <a:t> </a:t>
+            </a:r>
+            <a:r>
+              <a:rPr lang="en-US" sz="1600" dirty="0" err="1">
+                <a:solidFill>
+                  <a:srgbClr val="0000FF"/>
+                </a:solidFill>
+                <a:latin typeface="Consolas" panose="020B0609020204030204" pitchFamily="49" charset="0"/>
+              </a:rPr>
+              <a:t>async</a:t>
+            </a:r>
+            <a:r>
+              <a:rPr lang="en-US" sz="1600" dirty="0">
+                <a:solidFill>
+                  <a:srgbClr val="000000"/>
+                </a:solidFill>
+                <a:latin typeface="Consolas" panose="020B0609020204030204" pitchFamily="49" charset="0"/>
+              </a:rPr>
+              <a:t> </a:t>
+            </a:r>
+            <a:r>
+              <a:rPr lang="en-US" sz="1600" dirty="0">
+                <a:solidFill>
+                  <a:srgbClr val="267F99"/>
+                </a:solidFill>
+                <a:latin typeface="Consolas" panose="020B0609020204030204" pitchFamily="49" charset="0"/>
+              </a:rPr>
+              <a:t>Task</a:t>
+            </a:r>
+            <a:r>
+              <a:rPr lang="en-US" sz="1600" dirty="0">
+                <a:solidFill>
+                  <a:srgbClr val="000000"/>
+                </a:solidFill>
+                <a:latin typeface="Consolas" panose="020B0609020204030204" pitchFamily="49" charset="0"/>
+              </a:rPr>
+              <a:t>&lt;</a:t>
+            </a:r>
+            <a:r>
+              <a:rPr lang="en-US" sz="1600" dirty="0" err="1">
+                <a:solidFill>
+                  <a:srgbClr val="267F99"/>
+                </a:solidFill>
+                <a:latin typeface="Consolas" panose="020B0609020204030204" pitchFamily="49" charset="0"/>
+              </a:rPr>
+              <a:t>IActionResult</a:t>
+            </a:r>
+            <a:r>
+              <a:rPr lang="en-US" sz="1600" dirty="0">
+                <a:solidFill>
+                  <a:srgbClr val="000000"/>
+                </a:solidFill>
+                <a:latin typeface="Consolas" panose="020B0609020204030204" pitchFamily="49" charset="0"/>
+              </a:rPr>
+              <a:t>&gt; </a:t>
+            </a:r>
+            <a:r>
+              <a:rPr lang="en-US" sz="1600" dirty="0">
+                <a:solidFill>
+                  <a:srgbClr val="795E26"/>
+                </a:solidFill>
+                <a:latin typeface="Consolas" panose="020B0609020204030204" pitchFamily="49" charset="0"/>
+              </a:rPr>
+              <a:t>Login</a:t>
+            </a:r>
+            <a:r>
+              <a:rPr lang="en-US" sz="1600" dirty="0">
+                <a:solidFill>
+                  <a:srgbClr val="000000"/>
+                </a:solidFill>
+                <a:latin typeface="Consolas" panose="020B0609020204030204" pitchFamily="49" charset="0"/>
+              </a:rPr>
+              <a:t>(</a:t>
+            </a:r>
+            <a:r>
+              <a:rPr lang="en-US" sz="1600" dirty="0" err="1">
+                <a:solidFill>
+                  <a:srgbClr val="267F99"/>
+                </a:solidFill>
+                <a:latin typeface="Consolas" panose="020B0609020204030204" pitchFamily="49" charset="0"/>
+              </a:rPr>
+              <a:t>LoginModel</a:t>
+            </a:r>
+            <a:r>
+              <a:rPr lang="en-US" sz="1600" dirty="0">
+                <a:solidFill>
+                  <a:srgbClr val="000000"/>
+                </a:solidFill>
+                <a:latin typeface="Consolas" panose="020B0609020204030204" pitchFamily="49" charset="0"/>
+              </a:rPr>
+              <a:t> details) {</a:t>
+            </a:r>
+          </a:p>
+          <a:p>
+            <a:r>
+              <a:rPr lang="en-US" sz="1600" dirty="0">
+                <a:solidFill>
+                  <a:srgbClr val="000000"/>
+                </a:solidFill>
+                <a:latin typeface="Consolas" panose="020B0609020204030204" pitchFamily="49" charset="0"/>
+              </a:rPr>
+              <a:t>        </a:t>
+            </a:r>
+            <a:r>
+              <a:rPr lang="en-US" sz="1600" dirty="0">
+                <a:solidFill>
+                  <a:srgbClr val="AF00DB"/>
+                </a:solidFill>
+                <a:latin typeface="Consolas" panose="020B0609020204030204" pitchFamily="49" charset="0"/>
+              </a:rPr>
+              <a:t>return</a:t>
+            </a:r>
+            <a:r>
+              <a:rPr lang="en-US" sz="1600" dirty="0">
+                <a:solidFill>
+                  <a:srgbClr val="000000"/>
+                </a:solidFill>
+                <a:latin typeface="Consolas" panose="020B0609020204030204" pitchFamily="49" charset="0"/>
+              </a:rPr>
+              <a:t> </a:t>
+            </a:r>
+            <a:r>
+              <a:rPr lang="en-US" sz="1600" dirty="0">
+                <a:solidFill>
+                  <a:srgbClr val="795E26"/>
+                </a:solidFill>
+                <a:latin typeface="Consolas" panose="020B0609020204030204" pitchFamily="49" charset="0"/>
+              </a:rPr>
+              <a:t>View</a:t>
+            </a:r>
+            <a:r>
+              <a:rPr lang="en-US" sz="1600" dirty="0">
+                <a:solidFill>
+                  <a:srgbClr val="000000"/>
+                </a:solidFill>
+                <a:latin typeface="Consolas" panose="020B0609020204030204" pitchFamily="49" charset="0"/>
+              </a:rPr>
+              <a:t>(</a:t>
+            </a:r>
+            <a:r>
+              <a:rPr lang="en-US" sz="1600" dirty="0">
+                <a:solidFill>
+                  <a:srgbClr val="001080"/>
+                </a:solidFill>
+                <a:latin typeface="Consolas" panose="020B0609020204030204" pitchFamily="49" charset="0"/>
+              </a:rPr>
+              <a:t>details</a:t>
+            </a:r>
+            <a:r>
+              <a:rPr lang="en-US" sz="1600" dirty="0">
+                <a:solidFill>
+                  <a:srgbClr val="000000"/>
+                </a:solidFill>
+                <a:latin typeface="Consolas" panose="020B0609020204030204" pitchFamily="49" charset="0"/>
+              </a:rPr>
+              <a:t>);</a:t>
+            </a:r>
+          </a:p>
+          <a:p>
+            <a:r>
+              <a:rPr lang="en-US" sz="1600" dirty="0">
+                <a:solidFill>
+                  <a:srgbClr val="000000"/>
+                </a:solidFill>
+                <a:latin typeface="Consolas" panose="020B0609020204030204" pitchFamily="49" charset="0"/>
+              </a:rPr>
+              <a:t>    }</a:t>
+            </a:r>
+          </a:p>
+          <a:p>
+            <a:r>
+              <a:rPr lang="en-US" sz="1600" dirty="0">
+                <a:solidFill>
+                  <a:srgbClr val="000000"/>
+                </a:solidFill>
+                <a:latin typeface="Consolas" panose="020B0609020204030204" pitchFamily="49" charset="0"/>
+              </a:rPr>
+              <a:t>}</a:t>
+            </a:r>
+            <a:endParaRPr lang="en-US" sz="1600" b="0" dirty="0">
+              <a:solidFill>
+                <a:srgbClr val="000000"/>
+              </a:solidFill>
+              <a:effectLst/>
+              <a:latin typeface="Consolas" panose="020B0609020204030204" pitchFamily="49" charset="0"/>
+            </a:endParaRPr>
           </a:p>
         </p:txBody>
       </p:sp>
     </p:spTree>
     <p:extLst>
       <p:ext uri="{BB962C8B-B14F-4D97-AF65-F5344CB8AC3E}">
-        <p14:creationId xmlns:p14="http://schemas.microsoft.com/office/powerpoint/2010/main" val="2775192845"/>
+        <p14:creationId xmlns:p14="http://schemas.microsoft.com/office/powerpoint/2010/main" val="2739296328"/>
       </p:ext>
     </p:extLst>
   </p:cSld>
@@ -15293,13 +15477,7 @@
       </p:grpSpPr>
       <p:sp>
         <p:nvSpPr>
-          <p:cNvPr id="2" name="Title 1">
-            <a:extLst>
-              <a:ext uri="{FF2B5EF4-FFF2-40B4-BE49-F238E27FC236}">
-                <a16:creationId xmlns:a16="http://schemas.microsoft.com/office/drawing/2014/main" id="{49A40258-F757-45B6-9771-DCF3BF8AC760}"/>
-              </a:ext>
-            </a:extLst>
-          </p:cNvPr>
+          <p:cNvPr id="3" name="Title 2"/>
           <p:cNvSpPr>
             <a:spLocks noGrp="1"/>
           </p:cNvSpPr>
@@ -15319,89 +15497,41 @@
           </a:p>
         </p:txBody>
       </p:sp>
-      <p:sp>
-        <p:nvSpPr>
-          <p:cNvPr id="3" name="Content Placeholder 2">
-            <a:extLst>
-              <a:ext uri="{FF2B5EF4-FFF2-40B4-BE49-F238E27FC236}">
-                <a16:creationId xmlns:a16="http://schemas.microsoft.com/office/drawing/2014/main" id="{411B2AAD-4C05-4AC9-B9B9-5466DE933F01}"/>
-              </a:ext>
-            </a:extLst>
-          </p:cNvPr>
-          <p:cNvSpPr>
-            <a:spLocks noGrp="1"/>
-          </p:cNvSpPr>
+      <p:pic>
+        <p:nvPicPr>
+          <p:cNvPr id="9" name="Content Placeholder 8"/>
+          <p:cNvPicPr>
+            <a:picLocks noGrp="1" noChangeAspect="1"/>
+          </p:cNvPicPr>
           <p:nvPr>
             <p:ph idx="1"/>
           </p:nvPr>
-        </p:nvSpPr>
-        <p:spPr/>
-        <p:txBody>
-          <a:bodyPr/>
-          <a:lstStyle/>
-          <a:p>
-            <a:pPr marL="342900" indent="-342900">
-              <a:buFont typeface="Wingdings" panose="05000000000000000000" pitchFamily="2" charset="2"/>
-              <a:buChar char="§"/>
-            </a:pPr>
-            <a:r>
-              <a:rPr lang="en-US" b="1" dirty="0"/>
-              <a:t>[</a:t>
-            </a:r>
-            <a:r>
-              <a:rPr lang="en-US" b="1" dirty="0" err="1"/>
-              <a:t>IgnoreAntiforgeryToken</a:t>
-            </a:r>
-            <a:r>
-              <a:rPr lang="en-US" b="1" dirty="0"/>
-              <a:t>]</a:t>
-            </a:r>
-          </a:p>
-          <a:p>
-            <a:pPr marL="597150" lvl="1" indent="-342900" algn="just">
-              <a:buFont typeface="Wingdings" panose="05000000000000000000" pitchFamily="2" charset="2"/>
-              <a:buChar char="§"/>
-            </a:pPr>
-            <a:r>
-              <a:rPr lang="en-US" dirty="0"/>
-              <a:t>used to eliminate the need for an </a:t>
-            </a:r>
-            <a:r>
-              <a:rPr lang="en-US" dirty="0" err="1"/>
-              <a:t>antiforgery</a:t>
-            </a:r>
-            <a:r>
-              <a:rPr lang="en-US" dirty="0"/>
-              <a:t> token to be present for a given action (or controller). The filter will override </a:t>
-            </a:r>
-            <a:r>
-              <a:rPr lang="en-US" dirty="0" err="1"/>
-              <a:t>ValidateAntiForgeryToken</a:t>
-            </a:r>
-            <a:r>
-              <a:rPr lang="en-US" dirty="0"/>
-              <a:t> and/or </a:t>
-            </a:r>
-            <a:r>
-              <a:rPr lang="en-US" dirty="0" err="1"/>
-              <a:t>AutoValidateAntiforgeryToken</a:t>
-            </a:r>
-            <a:r>
-              <a:rPr lang="en-US" dirty="0"/>
-              <a:t> filters specified at a higher level (globally or on a controller).</a:t>
-            </a:r>
-          </a:p>
-        </p:txBody>
-      </p:sp>
+        </p:nvPicPr>
+        <p:blipFill>
+          <a:blip r:embed="rId2" cstate="print">
+            <a:extLst>
+              <a:ext uri="{28A0092B-C50C-407E-A947-70E740481C1C}">
+                <a14:useLocalDpi xmlns:a14="http://schemas.microsoft.com/office/drawing/2010/main" val="0"/>
+              </a:ext>
+            </a:extLst>
+          </a:blip>
+          <a:stretch>
+            <a:fillRect/>
+          </a:stretch>
+        </p:blipFill>
+        <p:spPr>
+          <a:xfrm>
+            <a:off x="4655840" y="2420888"/>
+            <a:ext cx="3177851" cy="3177851"/>
+          </a:xfrm>
+          <a:prstGeom prst="rect">
+            <a:avLst/>
+          </a:prstGeom>
+        </p:spPr>
+      </p:pic>
       <p:sp>
         <p:nvSpPr>
-          <p:cNvPr id="4" name="Text Placeholder 3">
-            <a:extLst>
-              <a:ext uri="{FF2B5EF4-FFF2-40B4-BE49-F238E27FC236}">
-                <a16:creationId xmlns:a16="http://schemas.microsoft.com/office/drawing/2014/main" id="{DC7145B7-D0A7-4088-B0AA-B8E481114B38}"/>
-              </a:ext>
-            </a:extLst>
-          </p:cNvPr>
+          <p:cNvPr id="6" name="Text Placeholder 5"/>
           <p:cNvSpPr>
             <a:spLocks noGrp="1"/>
           </p:cNvSpPr>
@@ -15416,455 +15546,15 @@
           <a:p>
             <a:r>
               <a:rPr lang="en-US" dirty="0"/>
-              <a:t>How does ASP.NET Core MVC address CSRF?</a:t>
-            </a:r>
-          </a:p>
-        </p:txBody>
-      </p:sp>
-      <p:sp>
-        <p:nvSpPr>
-          <p:cNvPr id="5" name="Rectangle 4">
-            <a:extLst>
-              <a:ext uri="{FF2B5EF4-FFF2-40B4-BE49-F238E27FC236}">
-                <a16:creationId xmlns:a16="http://schemas.microsoft.com/office/drawing/2014/main" id="{EFE51370-D1F9-4D29-A5D7-6C29B647D2A8}"/>
-              </a:ext>
-            </a:extLst>
-          </p:cNvPr>
-          <p:cNvSpPr/>
-          <p:nvPr/>
-        </p:nvSpPr>
-        <p:spPr>
-          <a:xfrm>
-            <a:off x="1357264" y="3747765"/>
-            <a:ext cx="9649072" cy="2585323"/>
-          </a:xfrm>
-          <a:prstGeom prst="rect">
-            <a:avLst/>
-          </a:prstGeom>
-          <a:solidFill>
-            <a:schemeClr val="bg1"/>
-          </a:solidFill>
-        </p:spPr>
-        <p:txBody>
-          <a:bodyPr wrap="square">
-            <a:spAutoFit/>
-          </a:bodyPr>
-          <a:lstStyle/>
-          <a:p>
-            <a:r>
-              <a:rPr lang="en-US" dirty="0">
-                <a:solidFill>
-                  <a:srgbClr val="000000"/>
-                </a:solidFill>
-                <a:latin typeface="Consolas" panose="020B0609020204030204" pitchFamily="49" charset="0"/>
-              </a:rPr>
-              <a:t>[</a:t>
-            </a:r>
-            <a:r>
-              <a:rPr lang="en-US" dirty="0">
-                <a:solidFill>
-                  <a:srgbClr val="267F99"/>
-                </a:solidFill>
-                <a:latin typeface="Consolas" panose="020B0609020204030204" pitchFamily="49" charset="0"/>
-              </a:rPr>
-              <a:t>Authorize</a:t>
-            </a:r>
-            <a:r>
-              <a:rPr lang="en-US" dirty="0">
-                <a:solidFill>
-                  <a:srgbClr val="000000"/>
-                </a:solidFill>
-                <a:latin typeface="Consolas" panose="020B0609020204030204" pitchFamily="49" charset="0"/>
-              </a:rPr>
-              <a:t>]</a:t>
-            </a:r>
-          </a:p>
-          <a:p>
-            <a:r>
-              <a:rPr lang="en-US" dirty="0">
-                <a:solidFill>
-                  <a:srgbClr val="000000"/>
-                </a:solidFill>
-                <a:highlight>
-                  <a:srgbClr val="FFFF00"/>
-                </a:highlight>
-                <a:latin typeface="Consolas" panose="020B0609020204030204" pitchFamily="49" charset="0"/>
-              </a:rPr>
-              <a:t>[</a:t>
-            </a:r>
-            <a:r>
-              <a:rPr lang="en-US" dirty="0" err="1">
-                <a:solidFill>
-                  <a:srgbClr val="267F99"/>
-                </a:solidFill>
-                <a:highlight>
-                  <a:srgbClr val="FFFF00"/>
-                </a:highlight>
-                <a:latin typeface="Consolas" panose="020B0609020204030204" pitchFamily="49" charset="0"/>
-              </a:rPr>
-              <a:t>AutoValidateAntiforgeryToken</a:t>
-            </a:r>
-            <a:r>
-              <a:rPr lang="en-US" dirty="0">
-                <a:solidFill>
-                  <a:srgbClr val="000000"/>
-                </a:solidFill>
-                <a:highlight>
-                  <a:srgbClr val="FFFF00"/>
-                </a:highlight>
-                <a:latin typeface="Consolas" panose="020B0609020204030204" pitchFamily="49" charset="0"/>
-              </a:rPr>
-              <a:t>]</a:t>
-            </a:r>
-          </a:p>
-          <a:p>
-            <a:r>
-              <a:rPr lang="en-US" dirty="0">
-                <a:solidFill>
-                  <a:srgbClr val="0000FF"/>
-                </a:solidFill>
-                <a:latin typeface="Consolas" panose="020B0609020204030204" pitchFamily="49" charset="0"/>
-              </a:rPr>
-              <a:t>public</a:t>
-            </a:r>
-            <a:r>
-              <a:rPr lang="en-US" dirty="0">
-                <a:solidFill>
-                  <a:srgbClr val="000000"/>
-                </a:solidFill>
-                <a:latin typeface="Consolas" panose="020B0609020204030204" pitchFamily="49" charset="0"/>
-              </a:rPr>
-              <a:t> </a:t>
-            </a:r>
-            <a:r>
-              <a:rPr lang="en-US" dirty="0">
-                <a:solidFill>
-                  <a:srgbClr val="0000FF"/>
-                </a:solidFill>
-                <a:latin typeface="Consolas" panose="020B0609020204030204" pitchFamily="49" charset="0"/>
-              </a:rPr>
-              <a:t>class</a:t>
-            </a:r>
-            <a:r>
-              <a:rPr lang="en-US" dirty="0">
-                <a:solidFill>
-                  <a:srgbClr val="000000"/>
-                </a:solidFill>
-                <a:latin typeface="Consolas" panose="020B0609020204030204" pitchFamily="49" charset="0"/>
-              </a:rPr>
-              <a:t> </a:t>
-            </a:r>
-            <a:r>
-              <a:rPr lang="en-US" dirty="0" err="1">
-                <a:solidFill>
-                  <a:srgbClr val="267F99"/>
-                </a:solidFill>
-                <a:latin typeface="Consolas" panose="020B0609020204030204" pitchFamily="49" charset="0"/>
-              </a:rPr>
-              <a:t>ManageController</a:t>
-            </a:r>
-            <a:r>
-              <a:rPr lang="en-US" dirty="0">
-                <a:solidFill>
-                  <a:srgbClr val="000000"/>
-                </a:solidFill>
-                <a:latin typeface="Consolas" panose="020B0609020204030204" pitchFamily="49" charset="0"/>
-              </a:rPr>
-              <a:t> : </a:t>
-            </a:r>
-            <a:r>
-              <a:rPr lang="en-US" dirty="0">
-                <a:solidFill>
-                  <a:srgbClr val="267F99"/>
-                </a:solidFill>
-                <a:latin typeface="Consolas" panose="020B0609020204030204" pitchFamily="49" charset="0"/>
-              </a:rPr>
-              <a:t>Controller</a:t>
-            </a:r>
-            <a:r>
-              <a:rPr lang="en-US" dirty="0">
-                <a:solidFill>
-                  <a:srgbClr val="000000"/>
-                </a:solidFill>
-                <a:latin typeface="Consolas" panose="020B0609020204030204" pitchFamily="49" charset="0"/>
-              </a:rPr>
-              <a:t>{</a:t>
-            </a:r>
-          </a:p>
-          <a:p>
-            <a:r>
-              <a:rPr lang="en-US" dirty="0">
-                <a:solidFill>
-                  <a:srgbClr val="000000"/>
-                </a:solidFill>
-                <a:latin typeface="Consolas" panose="020B0609020204030204" pitchFamily="49" charset="0"/>
-              </a:rPr>
-              <a:t>    [</a:t>
-            </a:r>
-            <a:r>
-              <a:rPr lang="en-US" dirty="0" err="1">
-                <a:solidFill>
-                  <a:srgbClr val="267F99"/>
-                </a:solidFill>
-                <a:latin typeface="Consolas" panose="020B0609020204030204" pitchFamily="49" charset="0"/>
-              </a:rPr>
-              <a:t>HttpPost</a:t>
-            </a:r>
-            <a:r>
-              <a:rPr lang="en-US" dirty="0">
-                <a:solidFill>
-                  <a:srgbClr val="000000"/>
-                </a:solidFill>
-                <a:latin typeface="Consolas" panose="020B0609020204030204" pitchFamily="49" charset="0"/>
-              </a:rPr>
-              <a:t>]</a:t>
-            </a:r>
-          </a:p>
-          <a:p>
-            <a:r>
-              <a:rPr lang="en-US" dirty="0">
-                <a:solidFill>
-                  <a:srgbClr val="000000"/>
-                </a:solidFill>
-                <a:latin typeface="Consolas" panose="020B0609020204030204" pitchFamily="49" charset="0"/>
-              </a:rPr>
-              <a:t>   </a:t>
-            </a:r>
-            <a:r>
-              <a:rPr lang="en-US" dirty="0">
-                <a:solidFill>
-                  <a:srgbClr val="000000"/>
-                </a:solidFill>
-                <a:highlight>
-                  <a:srgbClr val="FFFF00"/>
-                </a:highlight>
-                <a:latin typeface="Consolas" panose="020B0609020204030204" pitchFamily="49" charset="0"/>
-              </a:rPr>
-              <a:t> [</a:t>
-            </a:r>
-            <a:r>
-              <a:rPr lang="en-US" dirty="0" err="1">
-                <a:solidFill>
-                  <a:srgbClr val="267F99"/>
-                </a:solidFill>
-                <a:highlight>
-                  <a:srgbClr val="FFFF00"/>
-                </a:highlight>
-                <a:latin typeface="Consolas" panose="020B0609020204030204" pitchFamily="49" charset="0"/>
-              </a:rPr>
-              <a:t>IgnoreAntiforgeryToken</a:t>
-            </a:r>
-            <a:r>
-              <a:rPr lang="en-US" dirty="0">
-                <a:solidFill>
-                  <a:srgbClr val="000000"/>
-                </a:solidFill>
-                <a:highlight>
-                  <a:srgbClr val="FFFF00"/>
-                </a:highlight>
-                <a:latin typeface="Consolas" panose="020B0609020204030204" pitchFamily="49" charset="0"/>
-              </a:rPr>
-              <a:t>]</a:t>
-            </a:r>
-          </a:p>
-          <a:p>
-            <a:r>
-              <a:rPr lang="en-US" dirty="0">
-                <a:solidFill>
-                  <a:srgbClr val="000000"/>
-                </a:solidFill>
-                <a:latin typeface="Consolas" panose="020B0609020204030204" pitchFamily="49" charset="0"/>
-              </a:rPr>
-              <a:t>    </a:t>
-            </a:r>
-            <a:r>
-              <a:rPr lang="en-US" dirty="0">
-                <a:solidFill>
-                  <a:srgbClr val="0000FF"/>
-                </a:solidFill>
-                <a:latin typeface="Consolas" panose="020B0609020204030204" pitchFamily="49" charset="0"/>
-              </a:rPr>
-              <a:t>public</a:t>
-            </a:r>
-            <a:r>
-              <a:rPr lang="en-US" dirty="0">
-                <a:solidFill>
-                  <a:srgbClr val="000000"/>
-                </a:solidFill>
-                <a:latin typeface="Consolas" panose="020B0609020204030204" pitchFamily="49" charset="0"/>
-              </a:rPr>
-              <a:t> </a:t>
-            </a:r>
-            <a:r>
-              <a:rPr lang="en-US" dirty="0" err="1">
-                <a:solidFill>
-                  <a:srgbClr val="0000FF"/>
-                </a:solidFill>
-                <a:latin typeface="Consolas" panose="020B0609020204030204" pitchFamily="49" charset="0"/>
-              </a:rPr>
-              <a:t>async</a:t>
-            </a:r>
-            <a:r>
-              <a:rPr lang="en-US" dirty="0">
-                <a:solidFill>
-                  <a:srgbClr val="000000"/>
-                </a:solidFill>
-                <a:latin typeface="Consolas" panose="020B0609020204030204" pitchFamily="49" charset="0"/>
-              </a:rPr>
-              <a:t> </a:t>
-            </a:r>
-            <a:r>
-              <a:rPr lang="en-US" dirty="0">
-                <a:solidFill>
-                  <a:srgbClr val="267F99"/>
-                </a:solidFill>
-                <a:latin typeface="Consolas" panose="020B0609020204030204" pitchFamily="49" charset="0"/>
-              </a:rPr>
-              <a:t>Task</a:t>
-            </a:r>
-            <a:r>
-              <a:rPr lang="en-US" dirty="0">
-                <a:solidFill>
-                  <a:srgbClr val="000000"/>
-                </a:solidFill>
-                <a:latin typeface="Consolas" panose="020B0609020204030204" pitchFamily="49" charset="0"/>
-              </a:rPr>
-              <a:t>&lt;</a:t>
-            </a:r>
-            <a:r>
-              <a:rPr lang="en-US" dirty="0" err="1">
-                <a:solidFill>
-                  <a:srgbClr val="267F99"/>
-                </a:solidFill>
-                <a:latin typeface="Consolas" panose="020B0609020204030204" pitchFamily="49" charset="0"/>
-              </a:rPr>
-              <a:t>IActionResult</a:t>
-            </a:r>
-            <a:r>
-              <a:rPr lang="en-US" dirty="0">
-                <a:solidFill>
-                  <a:srgbClr val="000000"/>
-                </a:solidFill>
-                <a:latin typeface="Consolas" panose="020B0609020204030204" pitchFamily="49" charset="0"/>
-              </a:rPr>
-              <a:t>&gt; </a:t>
-            </a:r>
-            <a:r>
-              <a:rPr lang="en-US" dirty="0" err="1">
-                <a:solidFill>
-                  <a:srgbClr val="795E26"/>
-                </a:solidFill>
-                <a:latin typeface="Consolas" panose="020B0609020204030204" pitchFamily="49" charset="0"/>
-              </a:rPr>
-              <a:t>DoSomethingSafe</a:t>
-            </a:r>
-            <a:r>
-              <a:rPr lang="en-US" dirty="0">
-                <a:solidFill>
-                  <a:srgbClr val="000000"/>
-                </a:solidFill>
-                <a:latin typeface="Consolas" panose="020B0609020204030204" pitchFamily="49" charset="0"/>
-              </a:rPr>
-              <a:t>(</a:t>
-            </a:r>
-            <a:r>
-              <a:rPr lang="en-US" dirty="0" err="1">
-                <a:solidFill>
-                  <a:srgbClr val="267F99"/>
-                </a:solidFill>
-                <a:latin typeface="Consolas" panose="020B0609020204030204" pitchFamily="49" charset="0"/>
-              </a:rPr>
-              <a:t>SomeViewModel</a:t>
-            </a:r>
-            <a:r>
-              <a:rPr lang="en-US" dirty="0">
-                <a:solidFill>
-                  <a:srgbClr val="000000"/>
-                </a:solidFill>
-                <a:latin typeface="Consolas" panose="020B0609020204030204" pitchFamily="49" charset="0"/>
-              </a:rPr>
-              <a:t> model){</a:t>
-            </a:r>
-          </a:p>
-          <a:p>
-            <a:r>
-              <a:rPr lang="en-US" dirty="0">
-                <a:solidFill>
-                  <a:srgbClr val="000000"/>
-                </a:solidFill>
-                <a:latin typeface="Consolas" panose="020B0609020204030204" pitchFamily="49" charset="0"/>
-              </a:rPr>
-              <a:t>    </a:t>
-            </a:r>
-            <a:r>
-              <a:rPr lang="en-US" dirty="0">
-                <a:solidFill>
-                  <a:srgbClr val="008000"/>
-                </a:solidFill>
-                <a:latin typeface="Consolas" panose="020B0609020204030204" pitchFamily="49" charset="0"/>
-              </a:rPr>
-              <a:t>// no </a:t>
-            </a:r>
-            <a:r>
-              <a:rPr lang="en-US" dirty="0" err="1">
-                <a:solidFill>
-                  <a:srgbClr val="008000"/>
-                </a:solidFill>
-                <a:latin typeface="Consolas" panose="020B0609020204030204" pitchFamily="49" charset="0"/>
-              </a:rPr>
-              <a:t>antiforgery</a:t>
-            </a:r>
-            <a:r>
-              <a:rPr lang="en-US" dirty="0">
-                <a:solidFill>
-                  <a:srgbClr val="008000"/>
-                </a:solidFill>
-                <a:latin typeface="Consolas" panose="020B0609020204030204" pitchFamily="49" charset="0"/>
-              </a:rPr>
-              <a:t> token required</a:t>
-            </a:r>
-            <a:endParaRPr lang="en-US" dirty="0">
-              <a:solidFill>
-                <a:srgbClr val="000000"/>
-              </a:solidFill>
-              <a:latin typeface="Consolas" panose="020B0609020204030204" pitchFamily="49" charset="0"/>
-            </a:endParaRPr>
-          </a:p>
-          <a:p>
-            <a:r>
-              <a:rPr lang="en-US" dirty="0">
-                <a:solidFill>
-                  <a:srgbClr val="000000"/>
-                </a:solidFill>
-                <a:latin typeface="Consolas" panose="020B0609020204030204" pitchFamily="49" charset="0"/>
-              </a:rPr>
-              <a:t>    }</a:t>
-            </a:r>
-          </a:p>
-          <a:p>
-            <a:r>
-              <a:rPr lang="en-US" dirty="0">
-                <a:solidFill>
-                  <a:srgbClr val="000000"/>
-                </a:solidFill>
-                <a:latin typeface="Consolas" panose="020B0609020204030204" pitchFamily="49" charset="0"/>
-              </a:rPr>
-              <a:t>}</a:t>
-            </a:r>
-            <a:endParaRPr lang="en-US" b="0" dirty="0">
-              <a:solidFill>
-                <a:srgbClr val="000000"/>
-              </a:solidFill>
-              <a:effectLst/>
-              <a:latin typeface="Consolas" panose="020B0609020204030204" pitchFamily="49" charset="0"/>
-            </a:endParaRPr>
+              <a:t>Demo</a:t>
+            </a:r>
           </a:p>
         </p:txBody>
       </p:sp>
     </p:spTree>
     <p:extLst>
       <p:ext uri="{BB962C8B-B14F-4D97-AF65-F5344CB8AC3E}">
-        <p14:creationId xmlns:p14="http://schemas.microsoft.com/office/powerpoint/2010/main" val="2484118491"/>
+        <p14:creationId xmlns:p14="http://schemas.microsoft.com/office/powerpoint/2010/main" val="2775192845"/>
       </p:ext>
     </p:extLst>
   </p:cSld>
@@ -15984,7 +15674,15 @@
             </a:r>
             <a:r>
               <a:rPr lang="en-US" dirty="0"/>
-              <a:t> tokens for certain kinds of HTTP requests, such as GET requests. Instead of broadly applying the </a:t>
+              <a:t> tokens for certain kinds of HTTP requests, such as </a:t>
+            </a:r>
+            <a:r>
+              <a:rPr lang="en-US" b="1" dirty="0"/>
+              <a:t>GET</a:t>
+            </a:r>
+            <a:r>
+              <a:rPr lang="en-US" dirty="0"/>
+              <a:t> requests. Instead of broadly applying the </a:t>
             </a:r>
             <a:r>
               <a:rPr lang="en-US" dirty="0" err="1"/>
@@ -16127,7 +15825,13 @@
       </p:grpSpPr>
       <p:sp>
         <p:nvSpPr>
-          <p:cNvPr id="2" name="Title 1"/>
+          <p:cNvPr id="2" name="Title 1">
+            <a:extLst>
+              <a:ext uri="{FF2B5EF4-FFF2-40B4-BE49-F238E27FC236}">
+                <a16:creationId xmlns:a16="http://schemas.microsoft.com/office/drawing/2014/main" id="{49A40258-F757-45B6-9771-DCF3BF8AC760}"/>
+              </a:ext>
+            </a:extLst>
+          </p:cNvPr>
           <p:cNvSpPr>
             <a:spLocks noGrp="1"/>
           </p:cNvSpPr>
@@ -16144,13 +15848,18 @@
               <a:rPr lang="en-US" dirty="0"/>
               <a:t>Cross-Site Request forgery</a:t>
             </a:r>
-            <a:endParaRPr lang="ro-RO" dirty="0"/>
           </a:p>
         </p:txBody>
       </p:sp>
       <p:sp>
         <p:nvSpPr>
-          <p:cNvPr id="3" name="Content Placeholder 2"/>
+          <p:cNvPr id="3" name="Content Placeholder 2">
+            <a:extLst>
+              <a:ext uri="{FF2B5EF4-FFF2-40B4-BE49-F238E27FC236}">
+                <a16:creationId xmlns:a16="http://schemas.microsoft.com/office/drawing/2014/main" id="{411B2AAD-4C05-4AC9-B9B9-5466DE933F01}"/>
+              </a:ext>
+            </a:extLst>
+          </p:cNvPr>
           <p:cNvSpPr>
             <a:spLocks noGrp="1"/>
           </p:cNvSpPr>
@@ -16168,57 +15877,60 @@
               <a:buChar char="§"/>
             </a:pPr>
             <a:r>
-              <a:rPr lang="en-US" dirty="0"/>
-              <a:t>JavaScript, AJAX, and SPAs (including </a:t>
-            </a:r>
-            <a:r>
               <a:rPr lang="en-US" b="1" dirty="0"/>
-              <a:t>Angular</a:t>
-            </a:r>
-            <a:r>
-              <a:rPr lang="en-US" dirty="0"/>
-              <a:t>): </a:t>
-            </a:r>
-            <a:r>
-              <a:rPr lang="en-US" dirty="0">
-                <a:hlinkClick r:id="rId3"/>
-              </a:rPr>
-              <a:t>link</a:t>
-            </a:r>
-            <a:endParaRPr lang="en-US" dirty="0"/>
-          </a:p>
-          <a:p>
-            <a:pPr marL="342900" indent="-342900">
+              <a:t>[</a:t>
+            </a:r>
+            <a:r>
+              <a:rPr lang="en-US" b="1" dirty="0" err="1"/>
+              <a:t>IgnoreAntiforgeryToken</a:t>
+            </a:r>
+            <a:r>
+              <a:rPr lang="en-US" b="1" dirty="0"/>
+              <a:t>]</a:t>
+            </a:r>
+          </a:p>
+          <a:p>
+            <a:pPr marL="597150" lvl="1" indent="-342900" algn="just">
               <a:buFont typeface="Wingdings" panose="05000000000000000000" pitchFamily="2" charset="2"/>
               <a:buChar char="§"/>
             </a:pPr>
-            <a:endParaRPr lang="en-US" dirty="0"/>
-          </a:p>
-          <a:p>
-            <a:pPr marL="342900" indent="-342900">
-              <a:buFont typeface="Wingdings" panose="05000000000000000000" pitchFamily="2" charset="2"/>
-              <a:buChar char="§"/>
-            </a:pPr>
             <a:r>
               <a:rPr lang="en-US" dirty="0"/>
-              <a:t>Further reading: </a:t>
-            </a:r>
-            <a:r>
-              <a:rPr lang="en-US" dirty="0">
-                <a:hlinkClick r:id="rId4"/>
-              </a:rPr>
-              <a:t>https://docs.microsoft.com/en-us/aspnet/core/security/anti-request-forgery?view=aspnetcore-2.0</a:t>
-            </a:r>
-            <a:endParaRPr lang="en-US" dirty="0"/>
+              <a:t>used to eliminate the need for an </a:t>
+            </a:r>
+            <a:r>
+              <a:rPr lang="en-US" dirty="0" err="1"/>
+              <a:t>antiforgery</a:t>
+            </a:r>
+            <a:r>
+              <a:rPr lang="en-US" dirty="0"/>
+              <a:t> token to be present for a given action (or controller). The filter will override </a:t>
+            </a:r>
+            <a:r>
+              <a:rPr lang="en-US" dirty="0" err="1"/>
+              <a:t>ValidateAntiForgeryToken</a:t>
+            </a:r>
+            <a:r>
+              <a:rPr lang="en-US" dirty="0"/>
+              <a:t> and/or </a:t>
+            </a:r>
+            <a:r>
+              <a:rPr lang="en-US" dirty="0" err="1"/>
+              <a:t>AutoValidateAntiforgeryToken</a:t>
+            </a:r>
+            <a:r>
+              <a:rPr lang="en-US" dirty="0"/>
+              <a:t> filters specified at a higher level (globally or on a controller).</a:t>
+            </a:r>
           </a:p>
         </p:txBody>
       </p:sp>
       <p:sp>
         <p:nvSpPr>
-          <p:cNvPr id="5" name="Text Placeholder 4">
+          <p:cNvPr id="4" name="Text Placeholder 3">
             <a:extLst>
               <a:ext uri="{FF2B5EF4-FFF2-40B4-BE49-F238E27FC236}">
-                <a16:creationId xmlns:a16="http://schemas.microsoft.com/office/drawing/2014/main" id="{52A29470-1D14-4DB4-B2EB-AC6AD725BE5C}"/>
+                <a16:creationId xmlns:a16="http://schemas.microsoft.com/office/drawing/2014/main" id="{DC7145B7-D0A7-4088-B0AA-B8E481114B38}"/>
               </a:ext>
             </a:extLst>
           </p:cNvPr>
@@ -16241,10 +15953,450 @@
           </a:p>
         </p:txBody>
       </p:sp>
+      <p:sp>
+        <p:nvSpPr>
+          <p:cNvPr id="5" name="Rectangle 4">
+            <a:extLst>
+              <a:ext uri="{FF2B5EF4-FFF2-40B4-BE49-F238E27FC236}">
+                <a16:creationId xmlns:a16="http://schemas.microsoft.com/office/drawing/2014/main" id="{EFE51370-D1F9-4D29-A5D7-6C29B647D2A8}"/>
+              </a:ext>
+            </a:extLst>
+          </p:cNvPr>
+          <p:cNvSpPr/>
+          <p:nvPr/>
+        </p:nvSpPr>
+        <p:spPr>
+          <a:xfrm>
+            <a:off x="1357264" y="3747765"/>
+            <a:ext cx="9649072" cy="2585323"/>
+          </a:xfrm>
+          <a:prstGeom prst="rect">
+            <a:avLst/>
+          </a:prstGeom>
+          <a:solidFill>
+            <a:schemeClr val="bg1"/>
+          </a:solidFill>
+        </p:spPr>
+        <p:txBody>
+          <a:bodyPr wrap="square">
+            <a:spAutoFit/>
+          </a:bodyPr>
+          <a:lstStyle/>
+          <a:p>
+            <a:r>
+              <a:rPr lang="en-US" dirty="0">
+                <a:solidFill>
+                  <a:srgbClr val="000000"/>
+                </a:solidFill>
+                <a:latin typeface="Consolas" panose="020B0609020204030204" pitchFamily="49" charset="0"/>
+              </a:rPr>
+              <a:t>[</a:t>
+            </a:r>
+            <a:r>
+              <a:rPr lang="en-US" dirty="0">
+                <a:solidFill>
+                  <a:srgbClr val="267F99"/>
+                </a:solidFill>
+                <a:latin typeface="Consolas" panose="020B0609020204030204" pitchFamily="49" charset="0"/>
+              </a:rPr>
+              <a:t>Authorize</a:t>
+            </a:r>
+            <a:r>
+              <a:rPr lang="en-US" dirty="0">
+                <a:solidFill>
+                  <a:srgbClr val="000000"/>
+                </a:solidFill>
+                <a:latin typeface="Consolas" panose="020B0609020204030204" pitchFamily="49" charset="0"/>
+              </a:rPr>
+              <a:t>]</a:t>
+            </a:r>
+          </a:p>
+          <a:p>
+            <a:r>
+              <a:rPr lang="en-US" dirty="0">
+                <a:solidFill>
+                  <a:srgbClr val="000000"/>
+                </a:solidFill>
+                <a:highlight>
+                  <a:srgbClr val="FFFF00"/>
+                </a:highlight>
+                <a:latin typeface="Consolas" panose="020B0609020204030204" pitchFamily="49" charset="0"/>
+              </a:rPr>
+              <a:t>[</a:t>
+            </a:r>
+            <a:r>
+              <a:rPr lang="en-US" dirty="0" err="1">
+                <a:solidFill>
+                  <a:srgbClr val="267F99"/>
+                </a:solidFill>
+                <a:highlight>
+                  <a:srgbClr val="FFFF00"/>
+                </a:highlight>
+                <a:latin typeface="Consolas" panose="020B0609020204030204" pitchFamily="49" charset="0"/>
+              </a:rPr>
+              <a:t>AutoValidateAntiforgeryToken</a:t>
+            </a:r>
+            <a:r>
+              <a:rPr lang="en-US" dirty="0">
+                <a:solidFill>
+                  <a:srgbClr val="000000"/>
+                </a:solidFill>
+                <a:highlight>
+                  <a:srgbClr val="FFFF00"/>
+                </a:highlight>
+                <a:latin typeface="Consolas" panose="020B0609020204030204" pitchFamily="49" charset="0"/>
+              </a:rPr>
+              <a:t>]</a:t>
+            </a:r>
+          </a:p>
+          <a:p>
+            <a:r>
+              <a:rPr lang="en-US" dirty="0">
+                <a:solidFill>
+                  <a:srgbClr val="0000FF"/>
+                </a:solidFill>
+                <a:latin typeface="Consolas" panose="020B0609020204030204" pitchFamily="49" charset="0"/>
+              </a:rPr>
+              <a:t>public</a:t>
+            </a:r>
+            <a:r>
+              <a:rPr lang="en-US" dirty="0">
+                <a:solidFill>
+                  <a:srgbClr val="000000"/>
+                </a:solidFill>
+                <a:latin typeface="Consolas" panose="020B0609020204030204" pitchFamily="49" charset="0"/>
+              </a:rPr>
+              <a:t> </a:t>
+            </a:r>
+            <a:r>
+              <a:rPr lang="en-US" dirty="0">
+                <a:solidFill>
+                  <a:srgbClr val="0000FF"/>
+                </a:solidFill>
+                <a:latin typeface="Consolas" panose="020B0609020204030204" pitchFamily="49" charset="0"/>
+              </a:rPr>
+              <a:t>class</a:t>
+            </a:r>
+            <a:r>
+              <a:rPr lang="en-US" dirty="0">
+                <a:solidFill>
+                  <a:srgbClr val="000000"/>
+                </a:solidFill>
+                <a:latin typeface="Consolas" panose="020B0609020204030204" pitchFamily="49" charset="0"/>
+              </a:rPr>
+              <a:t> </a:t>
+            </a:r>
+            <a:r>
+              <a:rPr lang="en-US" dirty="0" err="1">
+                <a:solidFill>
+                  <a:srgbClr val="267F99"/>
+                </a:solidFill>
+                <a:latin typeface="Consolas" panose="020B0609020204030204" pitchFamily="49" charset="0"/>
+              </a:rPr>
+              <a:t>ManageController</a:t>
+            </a:r>
+            <a:r>
+              <a:rPr lang="en-US" dirty="0">
+                <a:solidFill>
+                  <a:srgbClr val="000000"/>
+                </a:solidFill>
+                <a:latin typeface="Consolas" panose="020B0609020204030204" pitchFamily="49" charset="0"/>
+              </a:rPr>
+              <a:t> : </a:t>
+            </a:r>
+            <a:r>
+              <a:rPr lang="en-US" dirty="0">
+                <a:solidFill>
+                  <a:srgbClr val="267F99"/>
+                </a:solidFill>
+                <a:latin typeface="Consolas" panose="020B0609020204030204" pitchFamily="49" charset="0"/>
+              </a:rPr>
+              <a:t>Controller</a:t>
+            </a:r>
+            <a:r>
+              <a:rPr lang="en-US" dirty="0">
+                <a:solidFill>
+                  <a:srgbClr val="000000"/>
+                </a:solidFill>
+                <a:latin typeface="Consolas" panose="020B0609020204030204" pitchFamily="49" charset="0"/>
+              </a:rPr>
+              <a:t>{</a:t>
+            </a:r>
+          </a:p>
+          <a:p>
+            <a:r>
+              <a:rPr lang="en-US" dirty="0">
+                <a:solidFill>
+                  <a:srgbClr val="000000"/>
+                </a:solidFill>
+                <a:latin typeface="Consolas" panose="020B0609020204030204" pitchFamily="49" charset="0"/>
+              </a:rPr>
+              <a:t>    [</a:t>
+            </a:r>
+            <a:r>
+              <a:rPr lang="en-US" dirty="0" err="1">
+                <a:solidFill>
+                  <a:srgbClr val="267F99"/>
+                </a:solidFill>
+                <a:latin typeface="Consolas" panose="020B0609020204030204" pitchFamily="49" charset="0"/>
+              </a:rPr>
+              <a:t>HttpPost</a:t>
+            </a:r>
+            <a:r>
+              <a:rPr lang="en-US" dirty="0">
+                <a:solidFill>
+                  <a:srgbClr val="000000"/>
+                </a:solidFill>
+                <a:latin typeface="Consolas" panose="020B0609020204030204" pitchFamily="49" charset="0"/>
+              </a:rPr>
+              <a:t>]</a:t>
+            </a:r>
+          </a:p>
+          <a:p>
+            <a:r>
+              <a:rPr lang="en-US" dirty="0">
+                <a:solidFill>
+                  <a:srgbClr val="000000"/>
+                </a:solidFill>
+                <a:latin typeface="Consolas" panose="020B0609020204030204" pitchFamily="49" charset="0"/>
+              </a:rPr>
+              <a:t>   </a:t>
+            </a:r>
+            <a:r>
+              <a:rPr lang="en-US" dirty="0">
+                <a:solidFill>
+                  <a:srgbClr val="000000"/>
+                </a:solidFill>
+                <a:highlight>
+                  <a:srgbClr val="FFFF00"/>
+                </a:highlight>
+                <a:latin typeface="Consolas" panose="020B0609020204030204" pitchFamily="49" charset="0"/>
+              </a:rPr>
+              <a:t> [</a:t>
+            </a:r>
+            <a:r>
+              <a:rPr lang="en-US" dirty="0" err="1">
+                <a:solidFill>
+                  <a:srgbClr val="267F99"/>
+                </a:solidFill>
+                <a:highlight>
+                  <a:srgbClr val="FFFF00"/>
+                </a:highlight>
+                <a:latin typeface="Consolas" panose="020B0609020204030204" pitchFamily="49" charset="0"/>
+              </a:rPr>
+              <a:t>IgnoreAntiforgeryToken</a:t>
+            </a:r>
+            <a:r>
+              <a:rPr lang="en-US" dirty="0">
+                <a:solidFill>
+                  <a:srgbClr val="000000"/>
+                </a:solidFill>
+                <a:highlight>
+                  <a:srgbClr val="FFFF00"/>
+                </a:highlight>
+                <a:latin typeface="Consolas" panose="020B0609020204030204" pitchFamily="49" charset="0"/>
+              </a:rPr>
+              <a:t>]</a:t>
+            </a:r>
+          </a:p>
+          <a:p>
+            <a:r>
+              <a:rPr lang="en-US" dirty="0">
+                <a:solidFill>
+                  <a:srgbClr val="000000"/>
+                </a:solidFill>
+                <a:latin typeface="Consolas" panose="020B0609020204030204" pitchFamily="49" charset="0"/>
+              </a:rPr>
+              <a:t>    </a:t>
+            </a:r>
+            <a:r>
+              <a:rPr lang="en-US" dirty="0">
+                <a:solidFill>
+                  <a:srgbClr val="0000FF"/>
+                </a:solidFill>
+                <a:latin typeface="Consolas" panose="020B0609020204030204" pitchFamily="49" charset="0"/>
+              </a:rPr>
+              <a:t>public</a:t>
+            </a:r>
+            <a:r>
+              <a:rPr lang="en-US" dirty="0">
+                <a:solidFill>
+                  <a:srgbClr val="000000"/>
+                </a:solidFill>
+                <a:latin typeface="Consolas" panose="020B0609020204030204" pitchFamily="49" charset="0"/>
+              </a:rPr>
+              <a:t> </a:t>
+            </a:r>
+            <a:r>
+              <a:rPr lang="en-US" dirty="0" err="1">
+                <a:solidFill>
+                  <a:srgbClr val="0000FF"/>
+                </a:solidFill>
+                <a:latin typeface="Consolas" panose="020B0609020204030204" pitchFamily="49" charset="0"/>
+              </a:rPr>
+              <a:t>async</a:t>
+            </a:r>
+            <a:r>
+              <a:rPr lang="en-US" dirty="0">
+                <a:solidFill>
+                  <a:srgbClr val="000000"/>
+                </a:solidFill>
+                <a:latin typeface="Consolas" panose="020B0609020204030204" pitchFamily="49" charset="0"/>
+              </a:rPr>
+              <a:t> </a:t>
+            </a:r>
+            <a:r>
+              <a:rPr lang="en-US" dirty="0">
+                <a:solidFill>
+                  <a:srgbClr val="267F99"/>
+                </a:solidFill>
+                <a:latin typeface="Consolas" panose="020B0609020204030204" pitchFamily="49" charset="0"/>
+              </a:rPr>
+              <a:t>Task</a:t>
+            </a:r>
+            <a:r>
+              <a:rPr lang="en-US" dirty="0">
+                <a:solidFill>
+                  <a:srgbClr val="000000"/>
+                </a:solidFill>
+                <a:latin typeface="Consolas" panose="020B0609020204030204" pitchFamily="49" charset="0"/>
+              </a:rPr>
+              <a:t>&lt;</a:t>
+            </a:r>
+            <a:r>
+              <a:rPr lang="en-US" dirty="0" err="1">
+                <a:solidFill>
+                  <a:srgbClr val="267F99"/>
+                </a:solidFill>
+                <a:latin typeface="Consolas" panose="020B0609020204030204" pitchFamily="49" charset="0"/>
+              </a:rPr>
+              <a:t>IActionResult</a:t>
+            </a:r>
+            <a:r>
+              <a:rPr lang="en-US" dirty="0">
+                <a:solidFill>
+                  <a:srgbClr val="000000"/>
+                </a:solidFill>
+                <a:latin typeface="Consolas" panose="020B0609020204030204" pitchFamily="49" charset="0"/>
+              </a:rPr>
+              <a:t>&gt; </a:t>
+            </a:r>
+            <a:r>
+              <a:rPr lang="en-US" dirty="0" err="1">
+                <a:solidFill>
+                  <a:srgbClr val="795E26"/>
+                </a:solidFill>
+                <a:latin typeface="Consolas" panose="020B0609020204030204" pitchFamily="49" charset="0"/>
+              </a:rPr>
+              <a:t>DoSomethingSafe</a:t>
+            </a:r>
+            <a:r>
+              <a:rPr lang="en-US" dirty="0">
+                <a:solidFill>
+                  <a:srgbClr val="000000"/>
+                </a:solidFill>
+                <a:latin typeface="Consolas" panose="020B0609020204030204" pitchFamily="49" charset="0"/>
+              </a:rPr>
+              <a:t>(</a:t>
+            </a:r>
+            <a:r>
+              <a:rPr lang="en-US" dirty="0" err="1">
+                <a:solidFill>
+                  <a:srgbClr val="267F99"/>
+                </a:solidFill>
+                <a:latin typeface="Consolas" panose="020B0609020204030204" pitchFamily="49" charset="0"/>
+              </a:rPr>
+              <a:t>SomeViewModel</a:t>
+            </a:r>
+            <a:r>
+              <a:rPr lang="en-US" dirty="0">
+                <a:solidFill>
+                  <a:srgbClr val="000000"/>
+                </a:solidFill>
+                <a:latin typeface="Consolas" panose="020B0609020204030204" pitchFamily="49" charset="0"/>
+              </a:rPr>
+              <a:t> model){</a:t>
+            </a:r>
+          </a:p>
+          <a:p>
+            <a:r>
+              <a:rPr lang="en-US" dirty="0">
+                <a:solidFill>
+                  <a:srgbClr val="000000"/>
+                </a:solidFill>
+                <a:latin typeface="Consolas" panose="020B0609020204030204" pitchFamily="49" charset="0"/>
+              </a:rPr>
+              <a:t>    </a:t>
+            </a:r>
+            <a:r>
+              <a:rPr lang="en-US" dirty="0">
+                <a:solidFill>
+                  <a:srgbClr val="008000"/>
+                </a:solidFill>
+                <a:latin typeface="Consolas" panose="020B0609020204030204" pitchFamily="49" charset="0"/>
+              </a:rPr>
+              <a:t>// no </a:t>
+            </a:r>
+            <a:r>
+              <a:rPr lang="en-US" dirty="0" err="1">
+                <a:solidFill>
+                  <a:srgbClr val="008000"/>
+                </a:solidFill>
+                <a:latin typeface="Consolas" panose="020B0609020204030204" pitchFamily="49" charset="0"/>
+              </a:rPr>
+              <a:t>antiforgery</a:t>
+            </a:r>
+            <a:r>
+              <a:rPr lang="en-US" dirty="0">
+                <a:solidFill>
+                  <a:srgbClr val="008000"/>
+                </a:solidFill>
+                <a:latin typeface="Consolas" panose="020B0609020204030204" pitchFamily="49" charset="0"/>
+              </a:rPr>
+              <a:t> token required</a:t>
+            </a:r>
+            <a:endParaRPr lang="en-US" dirty="0">
+              <a:solidFill>
+                <a:srgbClr val="000000"/>
+              </a:solidFill>
+              <a:latin typeface="Consolas" panose="020B0609020204030204" pitchFamily="49" charset="0"/>
+            </a:endParaRPr>
+          </a:p>
+          <a:p>
+            <a:r>
+              <a:rPr lang="en-US" dirty="0">
+                <a:solidFill>
+                  <a:srgbClr val="000000"/>
+                </a:solidFill>
+                <a:latin typeface="Consolas" panose="020B0609020204030204" pitchFamily="49" charset="0"/>
+              </a:rPr>
+              <a:t>    }</a:t>
+            </a:r>
+          </a:p>
+          <a:p>
+            <a:r>
+              <a:rPr lang="en-US" dirty="0">
+                <a:solidFill>
+                  <a:srgbClr val="000000"/>
+                </a:solidFill>
+                <a:latin typeface="Consolas" panose="020B0609020204030204" pitchFamily="49" charset="0"/>
+              </a:rPr>
+              <a:t>}</a:t>
+            </a:r>
+            <a:endParaRPr lang="en-US" b="0" dirty="0">
+              <a:solidFill>
+                <a:srgbClr val="000000"/>
+              </a:solidFill>
+              <a:effectLst/>
+              <a:latin typeface="Consolas" panose="020B0609020204030204" pitchFamily="49" charset="0"/>
+            </a:endParaRPr>
+          </a:p>
+        </p:txBody>
+      </p:sp>
     </p:spTree>
     <p:extLst>
       <p:ext uri="{BB962C8B-B14F-4D97-AF65-F5344CB8AC3E}">
-        <p14:creationId xmlns:p14="http://schemas.microsoft.com/office/powerpoint/2010/main" val="3580761977"/>
+        <p14:creationId xmlns:p14="http://schemas.microsoft.com/office/powerpoint/2010/main" val="2484118491"/>
       </p:ext>
     </p:extLst>
   </p:cSld>
@@ -16285,6 +16437,164 @@
       </p:grpSpPr>
       <p:sp>
         <p:nvSpPr>
+          <p:cNvPr id="2" name="Title 1"/>
+          <p:cNvSpPr>
+            <a:spLocks noGrp="1"/>
+          </p:cNvSpPr>
+          <p:nvPr>
+            <p:ph type="title"/>
+          </p:nvPr>
+        </p:nvSpPr>
+        <p:spPr/>
+        <p:txBody>
+          <a:bodyPr/>
+          <a:lstStyle/>
+          <a:p>
+            <a:r>
+              <a:rPr lang="en-US" dirty="0"/>
+              <a:t>Cross-Site Request forgery</a:t>
+            </a:r>
+            <a:endParaRPr lang="ro-RO" dirty="0"/>
+          </a:p>
+        </p:txBody>
+      </p:sp>
+      <p:sp>
+        <p:nvSpPr>
+          <p:cNvPr id="3" name="Content Placeholder 2"/>
+          <p:cNvSpPr>
+            <a:spLocks noGrp="1"/>
+          </p:cNvSpPr>
+          <p:nvPr>
+            <p:ph idx="1"/>
+          </p:nvPr>
+        </p:nvSpPr>
+        <p:spPr/>
+        <p:txBody>
+          <a:bodyPr/>
+          <a:lstStyle/>
+          <a:p>
+            <a:pPr marL="342900" indent="-342900">
+              <a:buFont typeface="Wingdings" panose="05000000000000000000" pitchFamily="2" charset="2"/>
+              <a:buChar char="§"/>
+            </a:pPr>
+            <a:r>
+              <a:rPr lang="en-US" dirty="0"/>
+              <a:t>JavaScript, AJAX, and SPAs (including </a:t>
+            </a:r>
+            <a:r>
+              <a:rPr lang="en-US" b="1" dirty="0"/>
+              <a:t>Angular</a:t>
+            </a:r>
+            <a:r>
+              <a:rPr lang="en-US" dirty="0"/>
+              <a:t>): </a:t>
+            </a:r>
+            <a:r>
+              <a:rPr lang="en-US" dirty="0">
+                <a:hlinkClick r:id="rId3"/>
+              </a:rPr>
+              <a:t>link</a:t>
+            </a:r>
+            <a:endParaRPr lang="en-US" dirty="0"/>
+          </a:p>
+          <a:p>
+            <a:pPr marL="342900" indent="-342900">
+              <a:buFont typeface="Wingdings" panose="05000000000000000000" pitchFamily="2" charset="2"/>
+              <a:buChar char="§"/>
+            </a:pPr>
+            <a:endParaRPr lang="en-US" dirty="0"/>
+          </a:p>
+          <a:p>
+            <a:pPr marL="342900" indent="-342900">
+              <a:buFont typeface="Wingdings" panose="05000000000000000000" pitchFamily="2" charset="2"/>
+              <a:buChar char="§"/>
+            </a:pPr>
+            <a:r>
+              <a:rPr lang="en-US" dirty="0"/>
+              <a:t>Further reading: </a:t>
+            </a:r>
+            <a:r>
+              <a:rPr lang="en-US" dirty="0">
+                <a:hlinkClick r:id="rId4"/>
+              </a:rPr>
+              <a:t>https://docs.microsoft.com/en-us/aspnet/core/security/anti-request-forgery?view=aspnetcore-2.0</a:t>
+            </a:r>
+            <a:endParaRPr lang="en-US" dirty="0"/>
+          </a:p>
+        </p:txBody>
+      </p:sp>
+      <p:sp>
+        <p:nvSpPr>
+          <p:cNvPr id="5" name="Text Placeholder 4">
+            <a:extLst>
+              <a:ext uri="{FF2B5EF4-FFF2-40B4-BE49-F238E27FC236}">
+                <a16:creationId xmlns:a16="http://schemas.microsoft.com/office/drawing/2014/main" id="{52A29470-1D14-4DB4-B2EB-AC6AD725BE5C}"/>
+              </a:ext>
+            </a:extLst>
+          </p:cNvPr>
+          <p:cNvSpPr>
+            <a:spLocks noGrp="1"/>
+          </p:cNvSpPr>
+          <p:nvPr>
+            <p:ph type="body" sz="quarter" idx="10"/>
+          </p:nvPr>
+        </p:nvSpPr>
+        <p:spPr/>
+        <p:txBody>
+          <a:bodyPr/>
+          <a:lstStyle/>
+          <a:p>
+            <a:r>
+              <a:rPr lang="en-US" dirty="0"/>
+              <a:t>How does ASP.NET Core MVC address CSRF?</a:t>
+            </a:r>
+          </a:p>
+        </p:txBody>
+      </p:sp>
+    </p:spTree>
+    <p:extLst>
+      <p:ext uri="{BB962C8B-B14F-4D97-AF65-F5344CB8AC3E}">
+        <p14:creationId xmlns:p14="http://schemas.microsoft.com/office/powerpoint/2010/main" val="3580761977"/>
+      </p:ext>
+    </p:extLst>
+  </p:cSld>
+  <p:clrMapOvr>
+    <a:masterClrMapping/>
+  </p:clrMapOvr>
+  <mc:AlternateContent xmlns:mc="http://schemas.openxmlformats.org/markup-compatibility/2006" xmlns:p14="http://schemas.microsoft.com/office/powerpoint/2010/main">
+    <mc:Choice Requires="p14">
+      <p:transition spd="med" p14:dur="700">
+        <p:fade/>
+      </p:transition>
+    </mc:Choice>
+    <mc:Fallback xmlns="">
+      <p:transition spd="med">
+        <p:fade/>
+      </p:transition>
+    </mc:Fallback>
+  </mc:AlternateContent>
+</p:sld>
+</file>
+
+<file path=ppt/slides/slide24.xml><?xml version="1.0" encoding="utf-8"?>
+<p:sld xmlns:a="http://schemas.openxmlformats.org/drawingml/2006/main" xmlns:r="http://schemas.openxmlformats.org/officeDocument/2006/relationships" xmlns:p="http://schemas.openxmlformats.org/presentationml/2006/main">
+  <p:cSld>
+    <p:spTree>
+      <p:nvGrpSpPr>
+        <p:cNvPr id="1" name=""/>
+        <p:cNvGrpSpPr/>
+        <p:nvPr/>
+      </p:nvGrpSpPr>
+      <p:grpSpPr>
+        <a:xfrm>
+          <a:off x="0" y="0"/>
+          <a:ext cx="0" cy="0"/>
+          <a:chOff x="0" y="0"/>
+          <a:chExt cx="0" cy="0"/>
+        </a:xfrm>
+      </p:grpSpPr>
+      <p:sp>
+        <p:nvSpPr>
           <p:cNvPr id="5" name="Title 4">
             <a:extLst>
               <a:ext uri="{FF2B5EF4-FFF2-40B4-BE49-F238E27FC236}">
@@ -16336,7 +16646,7 @@
 </p:sld>
 </file>
 
-<file path=ppt/slides/slide24.xml><?xml version="1.0" encoding="utf-8"?>
+<file path=ppt/slides/slide25.xml><?xml version="1.0" encoding="utf-8"?>
 <p:sld xmlns:a="http://schemas.openxmlformats.org/drawingml/2006/main" xmlns:r="http://schemas.openxmlformats.org/officeDocument/2006/relationships" xmlns:p="http://schemas.openxmlformats.org/presentationml/2006/main">
   <p:cSld>
     <p:spTree>
@@ -16416,9 +16726,12 @@
               <a:rPr lang="en-US" dirty="0">
                 <a:hlinkClick r:id="rId2"/>
               </a:rPr>
-              <a:t>https://docs.microsoft.com/en-us/aspnet/core/security/cors?view=aspnetcore-2.0</a:t>
-            </a:r>
-            <a:endParaRPr lang="en-US" dirty="0"/>
+              <a:t>https://docs.microsoft.com/en-us/aspnet/core/security/cors?view=aspnetcore-2.1</a:t>
+            </a:r>
+            <a:r>
+              <a:rPr lang="en-US" dirty="0"/>
+              <a:t> </a:t>
+            </a:r>
           </a:p>
         </p:txBody>
       </p:sp>
@@ -16475,7 +16788,7 @@
 </p:sld>
 </file>
 
-<file path=ppt/slides/slide25.xml><?xml version="1.0" encoding="utf-8"?>
+<file path=ppt/slides/slide26.xml><?xml version="1.0" encoding="utf-8"?>
 <p:sld xmlns:a="http://schemas.openxmlformats.org/drawingml/2006/main" xmlns:r="http://schemas.openxmlformats.org/officeDocument/2006/relationships" xmlns:p="http://schemas.openxmlformats.org/presentationml/2006/main">
   <p:cSld>
     <p:spTree>
@@ -16546,7 +16859,7 @@
 </p:sld>
 </file>
 
-<file path=ppt/slides/slide26.xml><?xml version="1.0" encoding="utf-8"?>
+<file path=ppt/slides/slide27.xml><?xml version="1.0" encoding="utf-8"?>
 <p:sld xmlns:a="http://schemas.openxmlformats.org/drawingml/2006/main" xmlns:r="http://schemas.openxmlformats.org/officeDocument/2006/relationships" xmlns:p="http://schemas.openxmlformats.org/presentationml/2006/main">
   <p:cSld>
     <p:spTree>
@@ -16658,9 +16971,12 @@
               <a:rPr lang="en-US" dirty="0">
                 <a:hlinkClick r:id="rId2"/>
               </a:rPr>
-              <a:t>https://docs.microsoft.com/en-us/aspnet/core/security/cross-site-scripting?view=aspnetcore-2.0</a:t>
-            </a:r>
-            <a:endParaRPr lang="en-US" dirty="0"/>
+              <a:t>https://docs.microsoft.com/en-us/aspnet/core/security/cross-site-scripting?view=aspnetcore-2.1</a:t>
+            </a:r>
+            <a:r>
+              <a:rPr lang="en-US" dirty="0"/>
+              <a:t> </a:t>
+            </a:r>
           </a:p>
         </p:txBody>
       </p:sp>
@@ -16689,7 +17005,7 @@
 </p:sld>
 </file>
 
-<file path=ppt/slides/slide27.xml><?xml version="1.0" encoding="utf-8"?>
+<file path=ppt/slides/slide28.xml><?xml version="1.0" encoding="utf-8"?>
 <p:sld xmlns:a="http://schemas.openxmlformats.org/drawingml/2006/main" xmlns:r="http://schemas.openxmlformats.org/officeDocument/2006/relationships" xmlns:p="http://schemas.openxmlformats.org/presentationml/2006/main">
   <p:cSld>
     <p:spTree>
@@ -16759,7 +17075,7 @@
 </p:sld>
 </file>
 
-<file path=ppt/slides/slide28.xml><?xml version="1.0" encoding="utf-8"?>
+<file path=ppt/slides/slide29.xml><?xml version="1.0" encoding="utf-8"?>
 <p:sld xmlns:a="http://schemas.openxmlformats.org/drawingml/2006/main" xmlns:r="http://schemas.openxmlformats.org/officeDocument/2006/relationships" xmlns:p="http://schemas.openxmlformats.org/presentationml/2006/main">
   <p:cSld>
     <p:spTree>
@@ -16909,70 +17225,6 @@
     </mc:Choice>
     <mc:Fallback xmlns="">
       <p:transition spd="med">
-        <p:fade/>
-      </p:transition>
-    </mc:Fallback>
-  </mc:AlternateContent>
-</p:sld>
-</file>
-
-<file path=ppt/slides/slide29.xml><?xml version="1.0" encoding="utf-8"?>
-<p:sld xmlns:a="http://schemas.openxmlformats.org/drawingml/2006/main" xmlns:r="http://schemas.openxmlformats.org/officeDocument/2006/relationships" xmlns:p="http://schemas.openxmlformats.org/presentationml/2006/main">
-  <p:cSld>
-    <p:spTree>
-      <p:nvGrpSpPr>
-        <p:cNvPr id="1" name=""/>
-        <p:cNvGrpSpPr/>
-        <p:nvPr/>
-      </p:nvGrpSpPr>
-      <p:grpSpPr>
-        <a:xfrm>
-          <a:off x="0" y="0"/>
-          <a:ext cx="0" cy="0"/>
-          <a:chOff x="0" y="0"/>
-          <a:chExt cx="0" cy="0"/>
-        </a:xfrm>
-      </p:grpSpPr>
-      <p:sp>
-        <p:nvSpPr>
-          <p:cNvPr id="4" name="Title 3"/>
-          <p:cNvSpPr>
-            <a:spLocks noGrp="1"/>
-          </p:cNvSpPr>
-          <p:nvPr>
-            <p:ph type="title"/>
-          </p:nvPr>
-        </p:nvSpPr>
-        <p:spPr/>
-        <p:txBody>
-          <a:bodyPr/>
-          <a:lstStyle/>
-          <a:p>
-            <a:r>
-              <a:rPr lang="en-US" dirty="0"/>
-              <a:t>Thank you!</a:t>
-            </a:r>
-          </a:p>
-        </p:txBody>
-      </p:sp>
-    </p:spTree>
-    <p:extLst>
-      <p:ext uri="{BB962C8B-B14F-4D97-AF65-F5344CB8AC3E}">
-        <p14:creationId xmlns:p14="http://schemas.microsoft.com/office/powerpoint/2010/main" val="3366205155"/>
-      </p:ext>
-    </p:extLst>
-  </p:cSld>
-  <p:clrMapOvr>
-    <a:masterClrMapping/>
-  </p:clrMapOvr>
-  <mc:AlternateContent xmlns:mc="http://schemas.openxmlformats.org/markup-compatibility/2006" xmlns:p14="http://schemas.microsoft.com/office/powerpoint/2010/main">
-    <mc:Choice Requires="p14">
-      <p:transition spd="med" p14:dur="700" advClick="0" advTm="1500">
-        <p:fade/>
-      </p:transition>
-    </mc:Choice>
-    <mc:Fallback xmlns="">
-      <p:transition spd="med" advClick="0" advTm="1500">
         <p:fade/>
       </p:transition>
     </mc:Fallback>
@@ -17144,6 +17396,70 @@
 </file>
 
 <file path=ppt/slides/slide30.xml><?xml version="1.0" encoding="utf-8"?>
+<p:sld xmlns:a="http://schemas.openxmlformats.org/drawingml/2006/main" xmlns:r="http://schemas.openxmlformats.org/officeDocument/2006/relationships" xmlns:p="http://schemas.openxmlformats.org/presentationml/2006/main">
+  <p:cSld>
+    <p:spTree>
+      <p:nvGrpSpPr>
+        <p:cNvPr id="1" name=""/>
+        <p:cNvGrpSpPr/>
+        <p:nvPr/>
+      </p:nvGrpSpPr>
+      <p:grpSpPr>
+        <a:xfrm>
+          <a:off x="0" y="0"/>
+          <a:ext cx="0" cy="0"/>
+          <a:chOff x="0" y="0"/>
+          <a:chExt cx="0" cy="0"/>
+        </a:xfrm>
+      </p:grpSpPr>
+      <p:sp>
+        <p:nvSpPr>
+          <p:cNvPr id="4" name="Title 3"/>
+          <p:cNvSpPr>
+            <a:spLocks noGrp="1"/>
+          </p:cNvSpPr>
+          <p:nvPr>
+            <p:ph type="title"/>
+          </p:nvPr>
+        </p:nvSpPr>
+        <p:spPr/>
+        <p:txBody>
+          <a:bodyPr/>
+          <a:lstStyle/>
+          <a:p>
+            <a:r>
+              <a:rPr lang="en-US" dirty="0"/>
+              <a:t>Thank you!</a:t>
+            </a:r>
+          </a:p>
+        </p:txBody>
+      </p:sp>
+    </p:spTree>
+    <p:extLst>
+      <p:ext uri="{BB962C8B-B14F-4D97-AF65-F5344CB8AC3E}">
+        <p14:creationId xmlns:p14="http://schemas.microsoft.com/office/powerpoint/2010/main" val="3366205155"/>
+      </p:ext>
+    </p:extLst>
+  </p:cSld>
+  <p:clrMapOvr>
+    <a:masterClrMapping/>
+  </p:clrMapOvr>
+  <mc:AlternateContent xmlns:mc="http://schemas.openxmlformats.org/markup-compatibility/2006" xmlns:p14="http://schemas.microsoft.com/office/powerpoint/2010/main">
+    <mc:Choice Requires="p14">
+      <p:transition spd="med" p14:dur="700" advClick="0" advTm="1500">
+        <p:fade/>
+      </p:transition>
+    </mc:Choice>
+    <mc:Fallback xmlns="">
+      <p:transition spd="med" advClick="0" advTm="1500">
+        <p:fade/>
+      </p:transition>
+    </mc:Fallback>
+  </mc:AlternateContent>
+</p:sld>
+</file>
+
+<file path=ppt/slides/slide31.xml><?xml version="1.0" encoding="utf-8"?>
 <p:sld xmlns:a="http://schemas.openxmlformats.org/drawingml/2006/main" xmlns:r="http://schemas.openxmlformats.org/officeDocument/2006/relationships" xmlns:p="http://schemas.openxmlformats.org/presentationml/2006/main">
   <p:cSld>
     <p:spTree>
@@ -18274,7 +18590,7 @@
             </p:grpSpPr>
             <p:pic>
               <p:nvPicPr>
-                <p:cNvPr id="7" name="Picture 7">
+                <p:cNvPr id="2" name="Picture 2">
                   <a:hlinkClick r:id="rId6" action="ppaction://hlinksldjump"/>
                 </p:cNvPr>
                 <p:cNvPicPr>
@@ -18305,7 +18621,7 @@
             </p:pic>
             <p:pic>
               <p:nvPicPr>
-                <p:cNvPr id="8" name="Picture 8">
+                <p:cNvPr id="4" name="Picture 4">
                   <a:hlinkClick r:id="rId7" action="ppaction://hlinksldjump"/>
                 </p:cNvPr>
                 <p:cNvPicPr>
@@ -18336,7 +18652,7 @@
             </p:pic>
             <p:pic>
               <p:nvPicPr>
-                <p:cNvPr id="9" name="Picture 9">
+                <p:cNvPr id="6" name="Picture 6">
                   <a:hlinkClick r:id="rId8" action="ppaction://hlinksldjump"/>
                 </p:cNvPr>
                 <p:cNvPicPr>
@@ -18367,7 +18683,7 @@
             </p:pic>
             <p:pic>
               <p:nvPicPr>
-                <p:cNvPr id="10" name="Picture 10">
+                <p:cNvPr id="7" name="Picture 7">
                   <a:hlinkClick r:id="rId9" action="ppaction://hlinksldjump"/>
                 </p:cNvPr>
                 <p:cNvPicPr>
@@ -18487,9 +18803,12 @@
               <a:rPr lang="en-US" dirty="0">
                 <a:hlinkClick r:id="rId2"/>
               </a:rPr>
-              <a:t>https://docs.microsoft.com/en-us/aspnet/core/security/?view=aspnetcore-2.0</a:t>
-            </a:r>
-            <a:endParaRPr lang="en-US" dirty="0"/>
+              <a:t>https://docs.microsoft.com/en-us/aspnet/core/security/?view=aspnetcore-2.1</a:t>
+            </a:r>
+            <a:r>
+              <a:rPr lang="en-US" dirty="0"/>
+              <a:t> </a:t>
+            </a:r>
           </a:p>
           <a:p>
             <a:endParaRPr lang="en-US" dirty="0"/>

--- a/Presentation ASPNET MVC Core - Part III.pptx
+++ b/Presentation ASPNET MVC Core - Part III.pptx
@@ -299,7 +299,7 @@
           <a:p>
             <a:fld id="{CD54E0B9-A397-428E-BA01-CD7A34B572EB}" type="datetimeFigureOut">
               <a:rPr lang="en-US" smtClean="0"/>
-              <a:t>5/25/2019</a:t>
+              <a:t>5/23/2020</a:t>
             </a:fld>
             <a:endParaRPr lang="en-US"/>
           </a:p>
@@ -464,7 +464,7 @@
           <a:p>
             <a:fld id="{AA161301-18C9-4CA0-A0BF-791B6E0DDD4D}" type="datetimeFigureOut">
               <a:rPr lang="en-GB" smtClean="0"/>
-              <a:t>25/05/2019</a:t>
+              <a:t>23/05/2020</a:t>
             </a:fld>
             <a:endParaRPr lang="en-GB"/>
           </a:p>
@@ -12582,7 +12582,7 @@
                 </a:solidFill>
                 <a:latin typeface="Consolas" panose="020B0609020204030204" pitchFamily="49" charset="0"/>
               </a:rPr>
-              <a:t>"Transaction"</a:t>
+              <a:t>“Account"</a:t>
             </a:r>
             <a:r>
               <a:rPr lang="en-US" dirty="0">
@@ -12618,7 +12618,7 @@
                 </a:solidFill>
                 <a:latin typeface="Consolas" panose="020B0609020204030204" pitchFamily="49" charset="0"/>
               </a:rPr>
-              <a:t>"withdraw"</a:t>
+              <a:t>“RO85INGXXXX"</a:t>
             </a:r>
             <a:r>
               <a:rPr lang="en-US" dirty="0">
@@ -16515,10 +16515,17 @@
             </a:r>
             <a:r>
               <a:rPr lang="en-US" dirty="0">
-                <a:hlinkClick r:id="rId4"/>
-              </a:rPr>
-              <a:t>https://docs.microsoft.com/en-us/aspnet/core/security/anti-request-forgery?view=aspnetcore-2.0</a:t>
-            </a:r>
+                <a:hlinkClick r:id="rId3"/>
+              </a:rPr>
+              <a:t>https://docs.microsoft.com/en-us/aspnet/core/security/anti-request-forgery</a:t>
+            </a:r>
+            <a:endParaRPr lang="en-US" dirty="0"/>
+          </a:p>
+          <a:p>
+            <a:pPr marL="342900" indent="-342900">
+              <a:buFont typeface="Wingdings" panose="05000000000000000000" pitchFamily="2" charset="2"/>
+              <a:buChar char="§"/>
+            </a:pPr>
             <a:endParaRPr lang="en-US" dirty="0"/>
           </a:p>
         </p:txBody>
@@ -16726,12 +16733,9 @@
               <a:rPr lang="en-US" dirty="0">
                 <a:hlinkClick r:id="rId2"/>
               </a:rPr>
-              <a:t>https://docs.microsoft.com/en-us/aspnet/core/security/cors?view=aspnetcore-2.1</a:t>
-            </a:r>
-            <a:r>
-              <a:rPr lang="en-US" dirty="0"/>
-              <a:t> </a:t>
-            </a:r>
+              <a:t>https://docs.microsoft.com/en-us/aspnet/core/security/cors</a:t>
+            </a:r>
+            <a:endParaRPr lang="en-US" dirty="0"/>
           </a:p>
         </p:txBody>
       </p:sp>
@@ -16971,12 +16975,9 @@
               <a:rPr lang="en-US" dirty="0">
                 <a:hlinkClick r:id="rId2"/>
               </a:rPr>
-              <a:t>https://docs.microsoft.com/en-us/aspnet/core/security/cross-site-scripting?view=aspnetcore-2.1</a:t>
-            </a:r>
-            <a:r>
-              <a:rPr lang="en-US" dirty="0"/>
-              <a:t> </a:t>
-            </a:r>
+              <a:t>https://docs.microsoft.com/en-us/aspnet/core/security/cross-site-scripting</a:t>
+            </a:r>
+            <a:endParaRPr lang="en-US" dirty="0"/>
           </a:p>
         </p:txBody>
       </p:sp>
@@ -18803,12 +18804,9 @@
               <a:rPr lang="en-US" dirty="0">
                 <a:hlinkClick r:id="rId2"/>
               </a:rPr>
-              <a:t>https://docs.microsoft.com/en-us/aspnet/core/security/?view=aspnetcore-2.1</a:t>
-            </a:r>
-            <a:r>
-              <a:rPr lang="en-US" dirty="0"/>
-              <a:t> </a:t>
-            </a:r>
+              <a:t>https://docs.microsoft.com/en-us/aspnet/core/security</a:t>
+            </a:r>
+            <a:endParaRPr lang="en-US" dirty="0"/>
           </a:p>
           <a:p>
             <a:endParaRPr lang="en-US" dirty="0"/>

--- a/Presentation ASPNET MVC Core - Part III.pptx
+++ b/Presentation ASPNET MVC Core - Part III.pptx
@@ -14,10 +14,10 @@
     <p:sldId id="493" r:id="rId2"/>
     <p:sldId id="671" r:id="rId3"/>
     <p:sldId id="679" r:id="rId4"/>
-    <p:sldId id="674" r:id="rId5"/>
-    <p:sldId id="745" r:id="rId6"/>
-    <p:sldId id="668" r:id="rId7"/>
-    <p:sldId id="687" r:id="rId8"/>
+    <p:sldId id="830" r:id="rId5"/>
+    <p:sldId id="831" r:id="rId6"/>
+    <p:sldId id="832" r:id="rId7"/>
+    <p:sldId id="833" r:id="rId8"/>
     <p:sldId id="826" r:id="rId9"/>
     <p:sldId id="828" r:id="rId10"/>
     <p:sldId id="809" r:id="rId11"/>
@@ -148,10 +148,14 @@
             <p14:sldId id="493"/>
             <p14:sldId id="671"/>
             <p14:sldId id="679"/>
-            <p14:sldId id="674"/>
-            <p14:sldId id="745"/>
-            <p14:sldId id="668"/>
-            <p14:sldId id="687"/>
+            <p14:sldId id="830"/>
+            <p14:sldId id="831"/>
+            <p14:sldId id="832"/>
+            <p14:sldId id="833"/>
+          </p14:sldIdLst>
+        </p14:section>
+        <p14:section name="Table of Contents" id="{12230992-AB71-49EB-953D-3D5FE624A6DE}">
+          <p14:sldIdLst>
             <p14:sldId id="826"/>
             <p14:sldId id="828"/>
           </p14:sldIdLst>
@@ -190,6 +194,10 @@
           <p14:sldIdLst>
             <p14:sldId id="818"/>
             <p14:sldId id="790"/>
+          </p14:sldIdLst>
+        </p14:section>
+        <p14:section name="Thank you" id="{92E11870-417B-43C0-9450-C5636335B098}">
+          <p14:sldIdLst>
             <p14:sldId id="729"/>
             <p14:sldId id="827"/>
           </p14:sldIdLst>
@@ -299,7 +307,7 @@
           <a:p>
             <a:fld id="{CD54E0B9-A397-428E-BA01-CD7A34B572EB}" type="datetimeFigureOut">
               <a:rPr lang="en-US" smtClean="0"/>
-              <a:t>5/23/2020</a:t>
+              <a:t>5/21/2021</a:t>
             </a:fld>
             <a:endParaRPr lang="en-US"/>
           </a:p>
@@ -464,7 +472,7 @@
           <a:p>
             <a:fld id="{AA161301-18C9-4CA0-A0BF-791B6E0DDD4D}" type="datetimeFigureOut">
               <a:rPr lang="en-GB" smtClean="0"/>
-              <a:t>23/05/2020</a:t>
+              <a:t>21/05/2021</a:t>
             </a:fld>
             <a:endParaRPr lang="en-GB"/>
           </a:p>
@@ -776,7 +784,10 @@
           <a:bodyPr/>
           <a:lstStyle/>
           <a:p>
-            <a:endParaRPr lang="en-US" dirty="0"/>
+            <a:r>
+              <a:rPr lang="ro-RO" dirty="0"/>
+              <a:t>https://www.apress.com/gp/book/9781484252833</a:t>
+            </a:r>
           </a:p>
         </p:txBody>
       </p:sp>
@@ -787,7 +798,7 @@
             <a:spLocks noGrp="1"/>
           </p:cNvSpPr>
           <p:nvPr>
-            <p:ph type="sldNum" sz="quarter" idx="10"/>
+            <p:ph type="sldNum" sz="quarter" idx="5"/>
           </p:nvPr>
         </p:nvSpPr>
         <p:spPr/>
@@ -797,7 +808,7 @@
           <a:p>
             <a:fld id="{0BF20BA8-12AF-476D-99B2-894C09A4EE62}" type="slidenum">
               <a:rPr lang="en-GB" smtClean="0"/>
-              <a:t>10</a:t>
+              <a:t>4</a:t>
             </a:fld>
             <a:endParaRPr lang="en-GB"/>
           </a:p>
@@ -806,7 +817,7 @@
     </p:spTree>
     <p:extLst>
       <p:ext uri="{BB962C8B-B14F-4D97-AF65-F5344CB8AC3E}">
-        <p14:creationId xmlns:p14="http://schemas.microsoft.com/office/powerpoint/2010/main" val="2546531681"/>
+        <p14:creationId xmlns:p14="http://schemas.microsoft.com/office/powerpoint/2010/main" val="84239186"/>
       </p:ext>
     </p:extLst>
   </p:cSld>
@@ -884,6 +895,93 @@
           <a:p>
             <a:fld id="{0BF20BA8-12AF-476D-99B2-894C09A4EE62}" type="slidenum">
               <a:rPr lang="en-GB" smtClean="0"/>
+              <a:t>18</a:t>
+            </a:fld>
+            <a:endParaRPr lang="en-GB"/>
+          </a:p>
+        </p:txBody>
+      </p:sp>
+    </p:spTree>
+    <p:extLst>
+      <p:ext uri="{BB962C8B-B14F-4D97-AF65-F5344CB8AC3E}">
+        <p14:creationId xmlns:p14="http://schemas.microsoft.com/office/powerpoint/2010/main" val="630818279"/>
+      </p:ext>
+    </p:extLst>
+  </p:cSld>
+  <p:clrMapOvr>
+    <a:masterClrMapping/>
+  </p:clrMapOvr>
+</p:notes>
+</file>
+
+<file path=ppt/notesSlides/notesSlide11.xml><?xml version="1.0" encoding="utf-8"?>
+<p:notes xmlns:a="http://schemas.openxmlformats.org/drawingml/2006/main" xmlns:r="http://schemas.openxmlformats.org/officeDocument/2006/relationships" xmlns:p="http://schemas.openxmlformats.org/presentationml/2006/main">
+  <p:cSld>
+    <p:spTree>
+      <p:nvGrpSpPr>
+        <p:cNvPr id="1" name=""/>
+        <p:cNvGrpSpPr/>
+        <p:nvPr/>
+      </p:nvGrpSpPr>
+      <p:grpSpPr>
+        <a:xfrm>
+          <a:off x="0" y="0"/>
+          <a:ext cx="0" cy="0"/>
+          <a:chOff x="0" y="0"/>
+          <a:chExt cx="0" cy="0"/>
+        </a:xfrm>
+      </p:grpSpPr>
+      <p:sp>
+        <p:nvSpPr>
+          <p:cNvPr id="2" name="Slide Image Placeholder 1"/>
+          <p:cNvSpPr>
+            <a:spLocks noGrp="1" noRot="1" noChangeAspect="1"/>
+          </p:cNvSpPr>
+          <p:nvPr>
+            <p:ph type="sldImg"/>
+          </p:nvPr>
+        </p:nvSpPr>
+        <p:spPr/>
+      </p:sp>
+      <p:sp>
+        <p:nvSpPr>
+          <p:cNvPr id="3" name="Notes Placeholder 2"/>
+          <p:cNvSpPr>
+            <a:spLocks noGrp="1"/>
+          </p:cNvSpPr>
+          <p:nvPr>
+            <p:ph type="body" idx="1"/>
+          </p:nvPr>
+        </p:nvSpPr>
+        <p:spPr/>
+        <p:txBody>
+          <a:bodyPr/>
+          <a:lstStyle/>
+          <a:p>
+            <a:r>
+              <a:rPr lang="en-US" dirty="0"/>
+              <a:t>https://docs.microsoft.com/en-us/aspnet/core/security/anti-request-forgery</a:t>
+            </a:r>
+          </a:p>
+        </p:txBody>
+      </p:sp>
+      <p:sp>
+        <p:nvSpPr>
+          <p:cNvPr id="4" name="Slide Number Placeholder 3"/>
+          <p:cNvSpPr>
+            <a:spLocks noGrp="1"/>
+          </p:cNvSpPr>
+          <p:nvPr>
+            <p:ph type="sldNum" sz="quarter" idx="10"/>
+          </p:nvPr>
+        </p:nvSpPr>
+        <p:spPr/>
+        <p:txBody>
+          <a:bodyPr/>
+          <a:lstStyle/>
+          <a:p>
+            <a:fld id="{0BF20BA8-12AF-476D-99B2-894C09A4EE62}" type="slidenum">
+              <a:rPr lang="en-GB" smtClean="0"/>
               <a:t>19</a:t>
             </a:fld>
             <a:endParaRPr lang="en-GB"/>
@@ -903,7 +1001,7 @@
 </p:notes>
 </file>
 
-<file path=ppt/notesSlides/notesSlide11.xml><?xml version="1.0" encoding="utf-8"?>
+<file path=ppt/notesSlides/notesSlide12.xml><?xml version="1.0" encoding="utf-8"?>
 <p:notes xmlns:a="http://schemas.openxmlformats.org/drawingml/2006/main" xmlns:r="http://schemas.openxmlformats.org/officeDocument/2006/relationships" xmlns:p="http://schemas.openxmlformats.org/presentationml/2006/main">
   <p:cSld>
     <p:spTree>
@@ -1034,10 +1132,7 @@
           <a:bodyPr/>
           <a:lstStyle/>
           <a:p>
-            <a:r>
-              <a:rPr lang="en-US" dirty="0"/>
-              <a:t>https://docs.microsoft.com/en-us/aspnet/core/security/anti-request-forgery</a:t>
-            </a:r>
+            <a:endParaRPr lang="en-US" dirty="0"/>
           </a:p>
         </p:txBody>
       </p:sp>
@@ -1058,7 +1153,7 @@
           <a:p>
             <a:fld id="{0BF20BA8-12AF-476D-99B2-894C09A4EE62}" type="slidenum">
               <a:rPr lang="en-GB" smtClean="0"/>
-              <a:t>11</a:t>
+              <a:t>10</a:t>
             </a:fld>
             <a:endParaRPr lang="en-GB"/>
           </a:p>
@@ -1067,7 +1162,7 @@
     </p:spTree>
     <p:extLst>
       <p:ext uri="{BB962C8B-B14F-4D97-AF65-F5344CB8AC3E}">
-        <p14:creationId xmlns:p14="http://schemas.microsoft.com/office/powerpoint/2010/main" val="3143252286"/>
+        <p14:creationId xmlns:p14="http://schemas.microsoft.com/office/powerpoint/2010/main" val="2546531681"/>
       </p:ext>
     </p:extLst>
   </p:cSld>
@@ -1145,7 +1240,7 @@
           <a:p>
             <a:fld id="{0BF20BA8-12AF-476D-99B2-894C09A4EE62}" type="slidenum">
               <a:rPr lang="en-GB" smtClean="0"/>
-              <a:t>12</a:t>
+              <a:t>11</a:t>
             </a:fld>
             <a:endParaRPr lang="en-GB"/>
           </a:p>
@@ -1154,7 +1249,7 @@
     </p:spTree>
     <p:extLst>
       <p:ext uri="{BB962C8B-B14F-4D97-AF65-F5344CB8AC3E}">
-        <p14:creationId xmlns:p14="http://schemas.microsoft.com/office/powerpoint/2010/main" val="681317634"/>
+        <p14:creationId xmlns:p14="http://schemas.microsoft.com/office/powerpoint/2010/main" val="3143252286"/>
       </p:ext>
     </p:extLst>
   </p:cSld>
@@ -1232,7 +1327,7 @@
           <a:p>
             <a:fld id="{0BF20BA8-12AF-476D-99B2-894C09A4EE62}" type="slidenum">
               <a:rPr lang="en-GB" smtClean="0"/>
-              <a:t>13</a:t>
+              <a:t>12</a:t>
             </a:fld>
             <a:endParaRPr lang="en-GB"/>
           </a:p>
@@ -1241,7 +1336,7 @@
     </p:spTree>
     <p:extLst>
       <p:ext uri="{BB962C8B-B14F-4D97-AF65-F5344CB8AC3E}">
-        <p14:creationId xmlns:p14="http://schemas.microsoft.com/office/powerpoint/2010/main" val="2164337370"/>
+        <p14:creationId xmlns:p14="http://schemas.microsoft.com/office/powerpoint/2010/main" val="681317634"/>
       </p:ext>
     </p:extLst>
   </p:cSld>
@@ -1319,7 +1414,7 @@
           <a:p>
             <a:fld id="{0BF20BA8-12AF-476D-99B2-894C09A4EE62}" type="slidenum">
               <a:rPr lang="en-GB" smtClean="0"/>
-              <a:t>14</a:t>
+              <a:t>13</a:t>
             </a:fld>
             <a:endParaRPr lang="en-GB"/>
           </a:p>
@@ -1328,7 +1423,7 @@
     </p:spTree>
     <p:extLst>
       <p:ext uri="{BB962C8B-B14F-4D97-AF65-F5344CB8AC3E}">
-        <p14:creationId xmlns:p14="http://schemas.microsoft.com/office/powerpoint/2010/main" val="408824424"/>
+        <p14:creationId xmlns:p14="http://schemas.microsoft.com/office/powerpoint/2010/main" val="2164337370"/>
       </p:ext>
     </p:extLst>
   </p:cSld>
@@ -1406,7 +1501,7 @@
           <a:p>
             <a:fld id="{0BF20BA8-12AF-476D-99B2-894C09A4EE62}" type="slidenum">
               <a:rPr lang="en-GB" smtClean="0"/>
-              <a:t>15</a:t>
+              <a:t>14</a:t>
             </a:fld>
             <a:endParaRPr lang="en-GB"/>
           </a:p>
@@ -1415,7 +1510,7 @@
     </p:spTree>
     <p:extLst>
       <p:ext uri="{BB962C8B-B14F-4D97-AF65-F5344CB8AC3E}">
-        <p14:creationId xmlns:p14="http://schemas.microsoft.com/office/powerpoint/2010/main" val="3613841344"/>
+        <p14:creationId xmlns:p14="http://schemas.microsoft.com/office/powerpoint/2010/main" val="408824424"/>
       </p:ext>
     </p:extLst>
   </p:cSld>
@@ -1493,7 +1588,7 @@
           <a:p>
             <a:fld id="{0BF20BA8-12AF-476D-99B2-894C09A4EE62}" type="slidenum">
               <a:rPr lang="en-GB" smtClean="0"/>
-              <a:t>16</a:t>
+              <a:t>15</a:t>
             </a:fld>
             <a:endParaRPr lang="en-GB"/>
           </a:p>
@@ -1502,7 +1597,7 @@
     </p:spTree>
     <p:extLst>
       <p:ext uri="{BB962C8B-B14F-4D97-AF65-F5344CB8AC3E}">
-        <p14:creationId xmlns:p14="http://schemas.microsoft.com/office/powerpoint/2010/main" val="1145919814"/>
+        <p14:creationId xmlns:p14="http://schemas.microsoft.com/office/powerpoint/2010/main" val="3613841344"/>
       </p:ext>
     </p:extLst>
   </p:cSld>
@@ -1580,7 +1675,7 @@
           <a:p>
             <a:fld id="{0BF20BA8-12AF-476D-99B2-894C09A4EE62}" type="slidenum">
               <a:rPr lang="en-GB" smtClean="0"/>
-              <a:t>17</a:t>
+              <a:t>16</a:t>
             </a:fld>
             <a:endParaRPr lang="en-GB"/>
           </a:p>
@@ -1589,7 +1684,7 @@
     </p:spTree>
     <p:extLst>
       <p:ext uri="{BB962C8B-B14F-4D97-AF65-F5344CB8AC3E}">
-        <p14:creationId xmlns:p14="http://schemas.microsoft.com/office/powerpoint/2010/main" val="2152000216"/>
+        <p14:creationId xmlns:p14="http://schemas.microsoft.com/office/powerpoint/2010/main" val="1145919814"/>
       </p:ext>
     </p:extLst>
   </p:cSld>
@@ -1667,7 +1762,7 @@
           <a:p>
             <a:fld id="{0BF20BA8-12AF-476D-99B2-894C09A4EE62}" type="slidenum">
               <a:rPr lang="en-GB" smtClean="0"/>
-              <a:t>18</a:t>
+              <a:t>17</a:t>
             </a:fld>
             <a:endParaRPr lang="en-GB"/>
           </a:p>
@@ -1676,7 +1771,7 @@
     </p:spTree>
     <p:extLst>
       <p:ext uri="{BB962C8B-B14F-4D97-AF65-F5344CB8AC3E}">
-        <p14:creationId xmlns:p14="http://schemas.microsoft.com/office/powerpoint/2010/main" val="630818279"/>
+        <p14:creationId xmlns:p14="http://schemas.microsoft.com/office/powerpoint/2010/main" val="2152000216"/>
       </p:ext>
     </p:extLst>
   </p:cSld>
@@ -17595,7 +17690,7 @@
             </a:pPr>
             <a:r>
               <a:rPr lang="en-US" b="1" dirty="0"/>
-              <a:t>Pro ASP.NET Core MVC 2</a:t>
+              <a:t>Pro ASP.NET Core 3</a:t>
             </a:r>
           </a:p>
           <a:p>
@@ -17615,7 +17710,7 @@
             </a:pPr>
             <a:r>
               <a:rPr lang="en-US" dirty="0"/>
-              <a:t>Now in its 7th edition, the best selling book on MVC is now updated for ASP.NET Core MVC.</a:t>
+              <a:t>Now in its 8th edition, the best-selling book on MVC is now updated for ASP.NET Core.</a:t>
             </a:r>
           </a:p>
           <a:p>
@@ -17625,9 +17720,9 @@
             </a:pPr>
             <a:r>
               <a:rPr lang="en-US" dirty="0">
-                <a:hlinkClick r:id="rId2"/>
-              </a:rPr>
-              <a:t>https://www.apress.com/gp/book/9781484231494</a:t>
+                <a:hlinkClick r:id="rId3"/>
+              </a:rPr>
+              <a:t>https://www.apress.com/gp/book/9781484254394</a:t>
             </a:r>
             <a:endParaRPr lang="en-US" dirty="0"/>
           </a:p>
@@ -17638,14 +17733,10 @@
             </a:pPr>
             <a:r>
               <a:rPr lang="en-US" dirty="0">
-                <a:hlinkClick r:id="rId3"/>
-              </a:rPr>
-              <a:t>https://github.com/apress/pro-asp.net-core-mvc-2</a:t>
-            </a:r>
-            <a:endParaRPr lang="en-US" dirty="0"/>
-          </a:p>
-          <a:p>
-            <a:pPr lvl="1"/>
+                <a:hlinkClick r:id="rId4"/>
+              </a:rPr>
+              <a:t>https://github.com/Apress/pro-asp.net-core-3</a:t>
+            </a:r>
             <a:endParaRPr lang="en-US" dirty="0"/>
           </a:p>
         </p:txBody>
@@ -17674,55 +17765,44 @@
       </p:sp>
       <p:pic>
         <p:nvPicPr>
-          <p:cNvPr id="1028" name="Picture 4" descr="https://images-na.ssl-images-amazon.com/images/I/51U5-MDFiqL._SX348_BO1,204,203,200_.jpg">
+          <p:cNvPr id="6" name="Picture 5" descr="Logo&#10;&#10;Description automatically generated with low confidence">
             <a:extLst>
               <a:ext uri="{FF2B5EF4-FFF2-40B4-BE49-F238E27FC236}">
-                <a16:creationId xmlns:a16="http://schemas.microsoft.com/office/drawing/2014/main" id="{B365DAE5-A9DC-49FD-BF99-291F47833E9B}"/>
+                <a16:creationId xmlns:a16="http://schemas.microsoft.com/office/drawing/2014/main" id="{0F3DD0FD-3F60-4B52-98E7-47546BC390D4}"/>
               </a:ext>
             </a:extLst>
           </p:cNvPr>
           <p:cNvPicPr>
-            <a:picLocks noChangeAspect="1" noChangeArrowheads="1"/>
+            <a:picLocks noChangeAspect="1"/>
           </p:cNvPicPr>
           <p:nvPr/>
         </p:nvPicPr>
         <p:blipFill>
-          <a:blip r:embed="rId4">
+          <a:blip r:embed="rId5" cstate="print">
             <a:extLst>
               <a:ext uri="{28A0092B-C50C-407E-A947-70E740481C1C}">
                 <a14:useLocalDpi xmlns:a14="http://schemas.microsoft.com/office/drawing/2010/main" val="0"/>
               </a:ext>
             </a:extLst>
           </a:blip>
-          <a:srcRect/>
           <a:stretch>
             <a:fillRect/>
           </a:stretch>
         </p:blipFill>
-        <p:spPr bwMode="auto">
+        <p:spPr>
           <a:xfrm>
-            <a:off x="8062106" y="1401382"/>
-            <a:ext cx="3333750" cy="4752975"/>
+            <a:off x="8040216" y="1556792"/>
+            <a:ext cx="3240360" cy="4306113"/>
           </a:xfrm>
           <a:prstGeom prst="rect">
             <a:avLst/>
           </a:prstGeom>
-          <a:noFill/>
-          <a:extLst>
-            <a:ext uri="{909E8E84-426E-40DD-AFC4-6F175D3DCCD1}">
-              <a14:hiddenFill xmlns:a14="http://schemas.microsoft.com/office/drawing/2010/main">
-                <a:solidFill>
-                  <a:srgbClr val="FFFFFF"/>
-                </a:solidFill>
-              </a14:hiddenFill>
-            </a:ext>
-          </a:extLst>
         </p:spPr>
       </p:pic>
     </p:spTree>
     <p:extLst>
       <p:ext uri="{BB962C8B-B14F-4D97-AF65-F5344CB8AC3E}">
-        <p14:creationId xmlns:p14="http://schemas.microsoft.com/office/powerpoint/2010/main" val="3064523811"/>
+        <p14:creationId xmlns:p14="http://schemas.microsoft.com/office/powerpoint/2010/main" val="930814865"/>
       </p:ext>
     </p:extLst>
   </p:cSld>
@@ -17956,7 +18036,7 @@
     </p:spTree>
     <p:extLst>
       <p:ext uri="{BB962C8B-B14F-4D97-AF65-F5344CB8AC3E}">
-        <p14:creationId xmlns:p14="http://schemas.microsoft.com/office/powerpoint/2010/main" val="2735732462"/>
+        <p14:creationId xmlns:p14="http://schemas.microsoft.com/office/powerpoint/2010/main" val="3449755432"/>
       </p:ext>
     </p:extLst>
   </p:cSld>
@@ -18156,7 +18236,7 @@
     </p:spTree>
     <p:extLst>
       <p:ext uri="{BB962C8B-B14F-4D97-AF65-F5344CB8AC3E}">
-        <p14:creationId xmlns:p14="http://schemas.microsoft.com/office/powerpoint/2010/main" val="1876554303"/>
+        <p14:creationId xmlns:p14="http://schemas.microsoft.com/office/powerpoint/2010/main" val="3351431601"/>
       </p:ext>
     </p:extLst>
   </p:cSld>
@@ -18280,7 +18360,7 @@
               <a:rPr lang="en-US" u="sng" dirty="0">
                 <a:hlinkClick r:id="rId3"/>
               </a:rPr>
-              <a:t>https://docs.microsoft.com/en-us/dotnet/api/?view=aspnetcore-2.2</a:t>
+              <a:t>https://docs.microsoft.com/en-us/dotnet/api/?view=net-5.0</a:t>
             </a:r>
             <a:endParaRPr lang="en-US" u="sng" dirty="0"/>
           </a:p>
@@ -18368,7 +18448,7 @@
     </p:spTree>
     <p:extLst>
       <p:ext uri="{BB962C8B-B14F-4D97-AF65-F5344CB8AC3E}">
-        <p14:creationId xmlns:p14="http://schemas.microsoft.com/office/powerpoint/2010/main" val="677238849"/>
+        <p14:creationId xmlns:p14="http://schemas.microsoft.com/office/powerpoint/2010/main" val="411187684"/>
       </p:ext>
     </p:extLst>
   </p:cSld>

--- a/Presentation ASPNET MVC Core - Part III.pptx
+++ b/Presentation ASPNET MVC Core - Part III.pptx
@@ -307,7 +307,7 @@
           <a:p>
             <a:fld id="{CD54E0B9-A397-428E-BA01-CD7A34B572EB}" type="datetimeFigureOut">
               <a:rPr lang="en-US" smtClean="0"/>
-              <a:t>5/21/2021</a:t>
+              <a:t>5/23/2021</a:t>
             </a:fld>
             <a:endParaRPr lang="en-US"/>
           </a:p>
@@ -472,7 +472,7 @@
           <a:p>
             <a:fld id="{AA161301-18C9-4CA0-A0BF-791B6E0DDD4D}" type="datetimeFigureOut">
               <a:rPr lang="en-GB" smtClean="0"/>
-              <a:t>21/05/2021</a:t>
+              <a:t>23/05/2021</a:t>
             </a:fld>
             <a:endParaRPr lang="en-GB"/>
           </a:p>
@@ -1079,6 +1079,114 @@
     <p:extLst>
       <p:ext uri="{BB962C8B-B14F-4D97-AF65-F5344CB8AC3E}">
         <p14:creationId xmlns:p14="http://schemas.microsoft.com/office/powerpoint/2010/main" val="555990621"/>
+      </p:ext>
+    </p:extLst>
+  </p:cSld>
+  <p:clrMapOvr>
+    <a:masterClrMapping/>
+  </p:clrMapOvr>
+</p:notes>
+</file>
+
+<file path=ppt/notesSlides/notesSlide13.xml><?xml version="1.0" encoding="utf-8"?>
+<p:notes xmlns:a="http://schemas.openxmlformats.org/drawingml/2006/main" xmlns:r="http://schemas.openxmlformats.org/officeDocument/2006/relationships" xmlns:p="http://schemas.openxmlformats.org/presentationml/2006/main">
+  <p:cSld>
+    <p:spTree>
+      <p:nvGrpSpPr>
+        <p:cNvPr id="1" name=""/>
+        <p:cNvGrpSpPr/>
+        <p:nvPr/>
+      </p:nvGrpSpPr>
+      <p:grpSpPr>
+        <a:xfrm>
+          <a:off x="0" y="0"/>
+          <a:ext cx="0" cy="0"/>
+          <a:chOff x="0" y="0"/>
+          <a:chExt cx="0" cy="0"/>
+        </a:xfrm>
+      </p:grpSpPr>
+      <p:sp>
+        <p:nvSpPr>
+          <p:cNvPr id="2" name="Slide Image Placeholder 1"/>
+          <p:cNvSpPr>
+            <a:spLocks noGrp="1" noRot="1" noChangeAspect="1"/>
+          </p:cNvSpPr>
+          <p:nvPr>
+            <p:ph type="sldImg"/>
+          </p:nvPr>
+        </p:nvSpPr>
+        <p:spPr/>
+      </p:sp>
+      <p:sp>
+        <p:nvSpPr>
+          <p:cNvPr id="3" name="Notes Placeholder 2"/>
+          <p:cNvSpPr>
+            <a:spLocks noGrp="1"/>
+          </p:cNvSpPr>
+          <p:nvPr>
+            <p:ph type="body" idx="1"/>
+          </p:nvPr>
+        </p:nvSpPr>
+        <p:spPr/>
+        <p:txBody>
+          <a:bodyPr/>
+          <a:lstStyle/>
+          <a:p>
+            <a:r>
+              <a:rPr lang="en-US" dirty="0"/>
+              <a:t>&lt;script type="text/</a:t>
+            </a:r>
+            <a:r>
+              <a:rPr lang="en-US" dirty="0" err="1"/>
+              <a:t>javascript</a:t>
+            </a:r>
+            <a:r>
+              <a:rPr lang="en-US" dirty="0"/>
+              <a:t>"&gt;</a:t>
+            </a:r>
+          </a:p>
+          <a:p>
+            <a:r>
+              <a:rPr lang="en-US" dirty="0"/>
+              <a:t>alert("test");</a:t>
+            </a:r>
+          </a:p>
+          <a:p>
+            <a:r>
+              <a:rPr lang="en-US" dirty="0"/>
+              <a:t>&lt;/script&gt;</a:t>
+            </a:r>
+            <a:endParaRPr lang="ro-RO" dirty="0"/>
+          </a:p>
+        </p:txBody>
+      </p:sp>
+      <p:sp>
+        <p:nvSpPr>
+          <p:cNvPr id="4" name="Slide Number Placeholder 3"/>
+          <p:cNvSpPr>
+            <a:spLocks noGrp="1"/>
+          </p:cNvSpPr>
+          <p:nvPr>
+            <p:ph type="sldNum" sz="quarter" idx="5"/>
+          </p:nvPr>
+        </p:nvSpPr>
+        <p:spPr/>
+        <p:txBody>
+          <a:bodyPr/>
+          <a:lstStyle/>
+          <a:p>
+            <a:fld id="{0BF20BA8-12AF-476D-99B2-894C09A4EE62}" type="slidenum">
+              <a:rPr lang="en-GB" smtClean="0"/>
+              <a:t>27</a:t>
+            </a:fld>
+            <a:endParaRPr lang="en-GB"/>
+          </a:p>
+        </p:txBody>
+      </p:sp>
+    </p:spTree>
+    <p:extLst>
+      <p:ext uri="{BB962C8B-B14F-4D97-AF65-F5344CB8AC3E}">
+        <p14:creationId xmlns:p14="http://schemas.microsoft.com/office/powerpoint/2010/main" val="3808640853"/>
       </p:ext>
     </p:extLst>
   </p:cSld>
@@ -17030,7 +17138,7 @@
             </a:pPr>
             <a:r>
               <a:rPr lang="en-US" dirty="0"/>
-              <a:t>Cross-Site Scripting (XSS) is a security vulnerability which enables an attacker to place client side scripts (usually JavaScript) into web pages. When other users load affected pages the attackers scripts will run, enabling the attacker to steal cookies and session tokens, change the contents of the web page through DOM manipulation or redirect the browser to another page. </a:t>
+              <a:t>Cross-Site Scripting (XSS) is a security vulnerability which enables an attacker to place client-side scripts (usually JavaScript) into web pages. When other users load affected pages the attackers scripts will run, enabling the attacker to steal cookies and session tokens, change the contents of the web page through DOM manipulation or redirect the browser to another page. </a:t>
             </a:r>
           </a:p>
           <a:p>
@@ -17068,7 +17176,7 @@
             </a:r>
             <a:r>
               <a:rPr lang="en-US" dirty="0">
-                <a:hlinkClick r:id="rId2"/>
+                <a:hlinkClick r:id="rId3"/>
               </a:rPr>
               <a:t>https://docs.microsoft.com/en-us/aspnet/core/security/cross-site-scripting</a:t>
             </a:r>
